--- a/docs/ppt/reg-images.pptx
+++ b/docs/ppt/reg-images.pptx
@@ -11,6 +11,9 @@
     <p:sldId id="261" r:id="rId5"/>
     <p:sldId id="262" r:id="rId6"/>
     <p:sldId id="263" r:id="rId7"/>
+    <p:sldId id="264" r:id="rId8"/>
+    <p:sldId id="266" r:id="rId9"/>
+    <p:sldId id="265" r:id="rId10"/>
   </p:sldIdLst>
   <p:sldSz cx="12192000" cy="6858000"/>
   <p:notesSz cx="6858000" cy="9144000"/>
@@ -276,7 +279,7 @@
           <a:p>
             <a:fld id="{29653C36-4834-4792-85AF-FA0E38AFE74C}" type="datetimeFigureOut">
               <a:rPr lang="zh-CN" altLang="en-US" smtClean="0"/>
-              <a:t>2023/6/23</a:t>
+              <a:t>2023/6/24</a:t>
             </a:fld>
             <a:endParaRPr lang="zh-CN" altLang="en-US"/>
           </a:p>
@@ -474,7 +477,7 @@
           <a:p>
             <a:fld id="{29653C36-4834-4792-85AF-FA0E38AFE74C}" type="datetimeFigureOut">
               <a:rPr lang="zh-CN" altLang="en-US" smtClean="0"/>
-              <a:t>2023/6/23</a:t>
+              <a:t>2023/6/24</a:t>
             </a:fld>
             <a:endParaRPr lang="zh-CN" altLang="en-US"/>
           </a:p>
@@ -682,7 +685,7 @@
           <a:p>
             <a:fld id="{29653C36-4834-4792-85AF-FA0E38AFE74C}" type="datetimeFigureOut">
               <a:rPr lang="zh-CN" altLang="en-US" smtClean="0"/>
-              <a:t>2023/6/23</a:t>
+              <a:t>2023/6/24</a:t>
             </a:fld>
             <a:endParaRPr lang="zh-CN" altLang="en-US"/>
           </a:p>
@@ -880,7 +883,7 @@
           <a:p>
             <a:fld id="{29653C36-4834-4792-85AF-FA0E38AFE74C}" type="datetimeFigureOut">
               <a:rPr lang="zh-CN" altLang="en-US" smtClean="0"/>
-              <a:t>2023/6/23</a:t>
+              <a:t>2023/6/24</a:t>
             </a:fld>
             <a:endParaRPr lang="zh-CN" altLang="en-US"/>
           </a:p>
@@ -1155,7 +1158,7 @@
           <a:p>
             <a:fld id="{29653C36-4834-4792-85AF-FA0E38AFE74C}" type="datetimeFigureOut">
               <a:rPr lang="zh-CN" altLang="en-US" smtClean="0"/>
-              <a:t>2023/6/23</a:t>
+              <a:t>2023/6/24</a:t>
             </a:fld>
             <a:endParaRPr lang="zh-CN" altLang="en-US"/>
           </a:p>
@@ -1420,7 +1423,7 @@
           <a:p>
             <a:fld id="{29653C36-4834-4792-85AF-FA0E38AFE74C}" type="datetimeFigureOut">
               <a:rPr lang="zh-CN" altLang="en-US" smtClean="0"/>
-              <a:t>2023/6/23</a:t>
+              <a:t>2023/6/24</a:t>
             </a:fld>
             <a:endParaRPr lang="zh-CN" altLang="en-US"/>
           </a:p>
@@ -1832,7 +1835,7 @@
           <a:p>
             <a:fld id="{29653C36-4834-4792-85AF-FA0E38AFE74C}" type="datetimeFigureOut">
               <a:rPr lang="zh-CN" altLang="en-US" smtClean="0"/>
-              <a:t>2023/6/23</a:t>
+              <a:t>2023/6/24</a:t>
             </a:fld>
             <a:endParaRPr lang="zh-CN" altLang="en-US"/>
           </a:p>
@@ -1973,7 +1976,7 @@
           <a:p>
             <a:fld id="{29653C36-4834-4792-85AF-FA0E38AFE74C}" type="datetimeFigureOut">
               <a:rPr lang="zh-CN" altLang="en-US" smtClean="0"/>
-              <a:t>2023/6/23</a:t>
+              <a:t>2023/6/24</a:t>
             </a:fld>
             <a:endParaRPr lang="zh-CN" altLang="en-US"/>
           </a:p>
@@ -2086,7 +2089,7 @@
           <a:p>
             <a:fld id="{29653C36-4834-4792-85AF-FA0E38AFE74C}" type="datetimeFigureOut">
               <a:rPr lang="zh-CN" altLang="en-US" smtClean="0"/>
-              <a:t>2023/6/23</a:t>
+              <a:t>2023/6/24</a:t>
             </a:fld>
             <a:endParaRPr lang="zh-CN" altLang="en-US"/>
           </a:p>
@@ -2397,7 +2400,7 @@
           <a:p>
             <a:fld id="{29653C36-4834-4792-85AF-FA0E38AFE74C}" type="datetimeFigureOut">
               <a:rPr lang="zh-CN" altLang="en-US" smtClean="0"/>
-              <a:t>2023/6/23</a:t>
+              <a:t>2023/6/24</a:t>
             </a:fld>
             <a:endParaRPr lang="zh-CN" altLang="en-US"/>
           </a:p>
@@ -2685,7 +2688,7 @@
           <a:p>
             <a:fld id="{29653C36-4834-4792-85AF-FA0E38AFE74C}" type="datetimeFigureOut">
               <a:rPr lang="zh-CN" altLang="en-US" smtClean="0"/>
-              <a:t>2023/6/23</a:t>
+              <a:t>2023/6/24</a:t>
             </a:fld>
             <a:endParaRPr lang="zh-CN" altLang="en-US"/>
           </a:p>
@@ -2926,7 +2929,7 @@
           <a:p>
             <a:fld id="{29653C36-4834-4792-85AF-FA0E38AFE74C}" type="datetimeFigureOut">
               <a:rPr lang="zh-CN" altLang="en-US" smtClean="0"/>
-              <a:t>2023/6/23</a:t>
+              <a:t>2023/6/24</a:t>
             </a:fld>
             <a:endParaRPr lang="zh-CN" altLang="en-US"/>
           </a:p>
@@ -3577,6 +3580,9 @@
           <a:prstGeom prst="rect">
             <a:avLst/>
           </a:prstGeom>
+          <a:solidFill>
+            <a:schemeClr val="accent1"/>
+          </a:solidFill>
         </p:spPr>
         <p:style>
           <a:lnRef idx="2">
@@ -3627,6 +3633,9 @@
           <a:prstGeom prst="rect">
             <a:avLst/>
           </a:prstGeom>
+          <a:solidFill>
+            <a:schemeClr val="accent2"/>
+          </a:solidFill>
         </p:spPr>
         <p:style>
           <a:lnRef idx="2">
@@ -4163,7 +4172,7 @@
           <a:p>
             <a:r>
               <a:rPr lang="zh-CN" altLang="en-US" b="1" dirty="0"/>
-              <a:t>可逆计算的基本支持</a:t>
+              <a:t>可逆计算的核心支持</a:t>
             </a:r>
           </a:p>
         </p:txBody>
@@ -5010,6 +5019,9 @@
           <a:prstGeom prst="rect">
             <a:avLst/>
           </a:prstGeom>
+          <a:solidFill>
+            <a:schemeClr val="accent2"/>
+          </a:solidFill>
         </p:spPr>
         <p:style>
           <a:lnRef idx="2">
@@ -5274,7 +5286,7 @@
         <p:spPr>
           <a:xfrm>
             <a:off x="1322353" y="1195422"/>
-            <a:ext cx="10586362" cy="4776538"/>
+            <a:ext cx="8425804" cy="4609386"/>
           </a:xfrm>
           <a:prstGeom prst="rect">
             <a:avLst/>
@@ -5317,7 +5329,7 @@
         </p:nvSpPr>
         <p:spPr>
           <a:xfrm>
-            <a:off x="4906735" y="4826545"/>
+            <a:off x="4678137" y="4891858"/>
             <a:ext cx="1858735" cy="567758"/>
           </a:xfrm>
           <a:prstGeom prst="rect">
@@ -5379,7 +5391,7 @@
         </p:nvSpPr>
         <p:spPr>
           <a:xfrm>
-            <a:off x="2489502" y="4826545"/>
+            <a:off x="2260904" y="4891858"/>
             <a:ext cx="2008752" cy="567758"/>
           </a:xfrm>
           <a:prstGeom prst="rect">
@@ -5433,12 +5445,15 @@
         </p:nvSpPr>
         <p:spPr>
           <a:xfrm>
-            <a:off x="4906734" y="3677376"/>
+            <a:off x="4678136" y="3742689"/>
             <a:ext cx="1858735" cy="567758"/>
           </a:xfrm>
           <a:prstGeom prst="rect">
             <a:avLst/>
           </a:prstGeom>
+          <a:solidFill>
+            <a:schemeClr val="accent2"/>
+          </a:solidFill>
         </p:spPr>
         <p:style>
           <a:lnRef idx="2">
@@ -5497,7 +5512,7 @@
         </p:nvCxnSpPr>
         <p:spPr>
           <a:xfrm>
-            <a:off x="7253359" y="4428113"/>
+            <a:off x="7024761" y="4493426"/>
             <a:ext cx="375557" cy="212272"/>
           </a:xfrm>
           <a:prstGeom prst="straightConnector1">
@@ -5536,7 +5551,7 @@
         </p:nvCxnSpPr>
         <p:spPr>
           <a:xfrm flipH="1">
-            <a:off x="4147192" y="4395295"/>
+            <a:off x="3918594" y="4460608"/>
             <a:ext cx="351062" cy="212272"/>
           </a:xfrm>
           <a:prstGeom prst="straightConnector1">
@@ -5615,8 +5630,8 @@
         </p:nvSpPr>
         <p:spPr>
           <a:xfrm>
-            <a:off x="9248786" y="2386596"/>
-            <a:ext cx="2115908" cy="567758"/>
+            <a:off x="5712348" y="1793320"/>
+            <a:ext cx="2216611" cy="567758"/>
           </a:xfrm>
           <a:prstGeom prst="rect">
             <a:avLst/>
@@ -5673,7 +5688,7 @@
         </p:nvSpPr>
         <p:spPr>
           <a:xfrm>
-            <a:off x="6520611" y="2386596"/>
+            <a:off x="5712349" y="2533552"/>
             <a:ext cx="2216611" cy="567758"/>
           </a:xfrm>
           <a:prstGeom prst="rect">
@@ -5727,7 +5742,7 @@
         </p:nvSpPr>
         <p:spPr>
           <a:xfrm>
-            <a:off x="1726410" y="2378529"/>
+            <a:off x="3342050" y="1793320"/>
             <a:ext cx="1858735" cy="567758"/>
           </a:xfrm>
           <a:prstGeom prst="rect">
@@ -5781,7 +5796,7 @@
         </p:nvSpPr>
         <p:spPr>
           <a:xfrm>
-            <a:off x="4150312" y="2386596"/>
+            <a:off x="3342050" y="2533552"/>
             <a:ext cx="1858735" cy="567758"/>
           </a:xfrm>
           <a:prstGeom prst="rect">
@@ -5835,7 +5850,7 @@
         </p:nvSpPr>
         <p:spPr>
           <a:xfrm>
-            <a:off x="7141297" y="4826545"/>
+            <a:off x="6912699" y="4891858"/>
             <a:ext cx="1858735" cy="567758"/>
           </a:xfrm>
           <a:prstGeom prst="rect">
@@ -5899,7 +5914,7 @@
         </p:nvCxnSpPr>
         <p:spPr>
           <a:xfrm>
-            <a:off x="5802329" y="4316642"/>
+            <a:off x="5573731" y="4381955"/>
             <a:ext cx="0" cy="369577"/>
           </a:xfrm>
           <a:prstGeom prst="straightConnector1">
@@ -5968,8 +5983,8 @@
         </p:nvSpPr>
         <p:spPr>
           <a:xfrm>
-            <a:off x="932838" y="800100"/>
-            <a:ext cx="10586362" cy="4584526"/>
+            <a:off x="932839" y="873579"/>
+            <a:ext cx="8534426" cy="4580163"/>
           </a:xfrm>
           <a:prstGeom prst="rect">
             <a:avLst/>
@@ -6012,7 +6027,7 @@
         </p:nvSpPr>
         <p:spPr>
           <a:xfrm>
-            <a:off x="2685274" y="4379689"/>
+            <a:off x="1795368" y="4379689"/>
             <a:ext cx="1858736" cy="567758"/>
           </a:xfrm>
           <a:prstGeom prst="rect">
@@ -6062,7 +6077,7 @@
         </p:nvSpPr>
         <p:spPr>
           <a:xfrm>
-            <a:off x="2685275" y="3018848"/>
+            <a:off x="1795369" y="3018848"/>
             <a:ext cx="1858735" cy="567758"/>
           </a:xfrm>
           <a:prstGeom prst="rect">
@@ -6118,7 +6133,7 @@
         </p:nvCxnSpPr>
         <p:spPr>
           <a:xfrm>
-            <a:off x="6074228" y="3649436"/>
+            <a:off x="5184322" y="3649436"/>
             <a:ext cx="0" cy="592730"/>
           </a:xfrm>
           <a:prstGeom prst="straightConnector1">
@@ -6159,7 +6174,7 @@
         </p:nvCxnSpPr>
         <p:spPr>
           <a:xfrm>
-            <a:off x="3614642" y="3643626"/>
+            <a:off x="2724736" y="3643626"/>
             <a:ext cx="0" cy="552816"/>
           </a:xfrm>
           <a:prstGeom prst="straightConnector1">
@@ -6198,7 +6213,7 @@
         </p:nvSpPr>
         <p:spPr>
           <a:xfrm>
-            <a:off x="1125651" y="1077686"/>
+            <a:off x="1117487" y="1175656"/>
             <a:ext cx="3141550" cy="369332"/>
           </a:xfrm>
           <a:prstGeom prst="rect">
@@ -6233,12 +6248,15 @@
         </p:nvSpPr>
         <p:spPr>
           <a:xfrm>
-            <a:off x="2891766" y="1798402"/>
+            <a:off x="2001860" y="1798402"/>
             <a:ext cx="2665976" cy="567758"/>
           </a:xfrm>
           <a:prstGeom prst="rect">
             <a:avLst/>
           </a:prstGeom>
+          <a:solidFill>
+            <a:schemeClr val="accent2"/>
+          </a:solidFill>
         </p:spPr>
         <p:style>
           <a:lnRef idx="2">
@@ -6287,7 +6305,7 @@
         </p:nvSpPr>
         <p:spPr>
           <a:xfrm>
-            <a:off x="5116020" y="4375152"/>
+            <a:off x="4226114" y="4375152"/>
             <a:ext cx="1858735" cy="567758"/>
           </a:xfrm>
           <a:prstGeom prst="rect">
@@ -6341,12 +6359,15 @@
         </p:nvSpPr>
         <p:spPr>
           <a:xfrm>
-            <a:off x="6538989" y="1798402"/>
+            <a:off x="5649083" y="1798402"/>
             <a:ext cx="2665976" cy="567758"/>
           </a:xfrm>
           <a:prstGeom prst="rect">
             <a:avLst/>
           </a:prstGeom>
+          <a:solidFill>
+            <a:schemeClr val="accent2"/>
+          </a:solidFill>
         </p:spPr>
         <p:style>
           <a:lnRef idx="2">
@@ -6395,7 +6416,7 @@
         </p:nvSpPr>
         <p:spPr>
           <a:xfrm>
-            <a:off x="5116020" y="3017671"/>
+            <a:off x="4226114" y="3017671"/>
             <a:ext cx="1858735" cy="567758"/>
           </a:xfrm>
           <a:prstGeom prst="rect">
@@ -6449,7 +6470,7 @@
         </p:nvSpPr>
         <p:spPr>
           <a:xfrm>
-            <a:off x="7637426" y="2996357"/>
+            <a:off x="6747520" y="2996357"/>
             <a:ext cx="1858735" cy="567758"/>
           </a:xfrm>
           <a:prstGeom prst="rect">
@@ -6505,7 +6526,7 @@
         </p:nvCxnSpPr>
         <p:spPr>
           <a:xfrm>
-            <a:off x="8594271" y="3622221"/>
+            <a:off x="7704365" y="3622221"/>
             <a:ext cx="0" cy="592730"/>
           </a:xfrm>
           <a:prstGeom prst="straightConnector1">
@@ -6544,7 +6565,7 @@
         </p:nvSpPr>
         <p:spPr>
           <a:xfrm>
-            <a:off x="7636063" y="4347937"/>
+            <a:off x="6746157" y="4347937"/>
             <a:ext cx="1858735" cy="567758"/>
           </a:xfrm>
           <a:prstGeom prst="rect">
@@ -6604,7 +6625,7 @@
         </p:nvCxnSpPr>
         <p:spPr>
           <a:xfrm flipH="1">
-            <a:off x="3614642" y="2443541"/>
+            <a:off x="2724736" y="2443541"/>
             <a:ext cx="457200" cy="495602"/>
           </a:xfrm>
           <a:prstGeom prst="straightConnector1">
@@ -6645,7 +6666,7 @@
         </p:nvCxnSpPr>
         <p:spPr>
           <a:xfrm>
-            <a:off x="5250220" y="2443541"/>
+            <a:off x="4360314" y="2443541"/>
             <a:ext cx="2922230" cy="422123"/>
           </a:xfrm>
           <a:prstGeom prst="straightConnector1">
@@ -6686,7 +6707,7 @@
         </p:nvCxnSpPr>
         <p:spPr>
           <a:xfrm>
-            <a:off x="4618849" y="2443541"/>
+            <a:off x="3728943" y="2443541"/>
             <a:ext cx="1022672" cy="495602"/>
           </a:xfrm>
           <a:prstGeom prst="straightConnector1">
@@ -6727,7 +6748,7 @@
         </p:nvCxnSpPr>
         <p:spPr>
           <a:xfrm flipH="1">
-            <a:off x="4544010" y="2482848"/>
+            <a:off x="3654104" y="2482848"/>
             <a:ext cx="2325461" cy="456295"/>
           </a:xfrm>
           <a:prstGeom prst="straightConnector1">
@@ -6768,7 +6789,7 @@
         </p:nvCxnSpPr>
         <p:spPr>
           <a:xfrm flipH="1">
-            <a:off x="6809014" y="2464855"/>
+            <a:off x="5919108" y="2464855"/>
             <a:ext cx="827634" cy="474288"/>
           </a:xfrm>
           <a:prstGeom prst="straightConnector1">
@@ -6809,7 +6830,7 @@
         </p:nvCxnSpPr>
         <p:spPr>
           <a:xfrm>
-            <a:off x="8036964" y="2496853"/>
+            <a:off x="7147058" y="2496853"/>
             <a:ext cx="528466" cy="366518"/>
           </a:xfrm>
           <a:prstGeom prst="straightConnector1">
@@ -6982,6 +7003,9 @@
           <a:prstGeom prst="rect">
             <a:avLst/>
           </a:prstGeom>
+          <a:solidFill>
+            <a:schemeClr val="accent2"/>
+          </a:solidFill>
         </p:spPr>
         <p:style>
           <a:lnRef idx="2">
@@ -7921,7 +7945,7 @@
         <p:spPr>
           <a:xfrm>
             <a:off x="712402" y="800100"/>
-            <a:ext cx="8924441" cy="4584526"/>
+            <a:ext cx="7721305" cy="4584526"/>
           </a:xfrm>
           <a:prstGeom prst="rect">
             <a:avLst/>
@@ -7964,12 +7988,15 @@
         </p:nvSpPr>
         <p:spPr>
           <a:xfrm>
-            <a:off x="2417595" y="1316838"/>
+            <a:off x="1952231" y="1520944"/>
             <a:ext cx="2219909" cy="561092"/>
           </a:xfrm>
           <a:prstGeom prst="rect">
             <a:avLst/>
           </a:prstGeom>
+          <a:solidFill>
+            <a:schemeClr val="accent2"/>
+          </a:solidFill>
         </p:spPr>
         <p:style>
           <a:lnRef idx="2">
@@ -8055,7 +8082,7 @@
         </p:nvCxnSpPr>
         <p:spPr>
           <a:xfrm>
-            <a:off x="7144878" y="3177341"/>
+            <a:off x="6401929" y="3258984"/>
             <a:ext cx="0" cy="292006"/>
           </a:xfrm>
           <a:prstGeom prst="straightConnector1">
@@ -8094,7 +8121,7 @@
         </p:nvSpPr>
         <p:spPr>
           <a:xfrm>
-            <a:off x="5955228" y="3562963"/>
+            <a:off x="5243794" y="3684125"/>
             <a:ext cx="2485572" cy="567758"/>
           </a:xfrm>
           <a:prstGeom prst="rect">
@@ -8158,8 +8185,8 @@
         </p:nvCxnSpPr>
         <p:spPr>
           <a:xfrm>
-            <a:off x="3521396" y="2016578"/>
-            <a:ext cx="6153" cy="487714"/>
+            <a:off x="3062185" y="2204357"/>
+            <a:ext cx="0" cy="316264"/>
           </a:xfrm>
           <a:prstGeom prst="straightConnector1">
             <a:avLst/>
@@ -8199,7 +8226,7 @@
         </p:nvCxnSpPr>
         <p:spPr>
           <a:xfrm>
-            <a:off x="4617655" y="4385580"/>
+            <a:off x="4152291" y="4401909"/>
             <a:ext cx="493188" cy="235404"/>
           </a:xfrm>
           <a:prstGeom prst="straightConnector1">
@@ -8238,7 +8265,7 @@
         </p:nvSpPr>
         <p:spPr>
           <a:xfrm>
-            <a:off x="6187255" y="2402786"/>
+            <a:off x="5444307" y="2492777"/>
             <a:ext cx="1932479" cy="567758"/>
           </a:xfrm>
           <a:prstGeom prst="rect">
@@ -8302,8 +8329,8 @@
         </p:nvCxnSpPr>
         <p:spPr>
           <a:xfrm flipH="1">
-            <a:off x="5463089" y="4329170"/>
-            <a:ext cx="492139" cy="320821"/>
+            <a:off x="4997725" y="4358711"/>
+            <a:ext cx="358046" cy="307609"/>
           </a:xfrm>
           <a:prstGeom prst="straightConnector1">
             <a:avLst/>
@@ -8343,8 +8370,8 @@
         </p:nvCxnSpPr>
         <p:spPr>
           <a:xfrm>
-            <a:off x="3507700" y="3272930"/>
-            <a:ext cx="0" cy="392834"/>
+            <a:off x="3042336" y="3289259"/>
+            <a:ext cx="0" cy="290033"/>
           </a:xfrm>
           <a:prstGeom prst="straightConnector1">
             <a:avLst/>
@@ -8382,7 +8409,7 @@
         </p:nvSpPr>
         <p:spPr>
           <a:xfrm>
-            <a:off x="2552714" y="3818162"/>
+            <a:off x="2089792" y="3765782"/>
             <a:ext cx="1932479" cy="567758"/>
           </a:xfrm>
           <a:prstGeom prst="rect">
@@ -8436,7 +8463,7 @@
         </p:nvSpPr>
         <p:spPr>
           <a:xfrm>
-            <a:off x="2555157" y="2624042"/>
+            <a:off x="2089793" y="2640371"/>
             <a:ext cx="1932479" cy="567758"/>
           </a:xfrm>
           <a:prstGeom prst="rect">
@@ -8498,7 +8525,7 @@
         </p:nvSpPr>
         <p:spPr>
           <a:xfrm>
-            <a:off x="4267214" y="4720840"/>
+            <a:off x="3789413" y="4704703"/>
             <a:ext cx="1932478" cy="567758"/>
           </a:xfrm>
           <a:prstGeom prst="rect">
@@ -8538,6 +8565,1978 @@
     <p:extLst>
       <p:ext uri="{BB962C8B-B14F-4D97-AF65-F5344CB8AC3E}">
         <p14:creationId xmlns:p14="http://schemas.microsoft.com/office/powerpoint/2010/main" val="2386426902"/>
+      </p:ext>
+    </p:extLst>
+  </p:cSld>
+  <p:clrMapOvr>
+    <a:masterClrMapping/>
+  </p:clrMapOvr>
+</p:sld>
+</file>
+
+<file path=ppt/slides/slide7.xml><?xml version="1.0" encoding="utf-8"?>
+<p:sld xmlns:a="http://schemas.openxmlformats.org/drawingml/2006/main" xmlns:r="http://schemas.openxmlformats.org/officeDocument/2006/relationships" xmlns:p="http://schemas.openxmlformats.org/presentationml/2006/main">
+  <p:cSld>
+    <p:spTree>
+      <p:nvGrpSpPr>
+        <p:cNvPr id="1" name=""/>
+        <p:cNvGrpSpPr/>
+        <p:nvPr/>
+      </p:nvGrpSpPr>
+      <p:grpSpPr>
+        <a:xfrm>
+          <a:off x="0" y="0"/>
+          <a:ext cx="0" cy="0"/>
+          <a:chOff x="0" y="0"/>
+          <a:chExt cx="0" cy="0"/>
+        </a:xfrm>
+      </p:grpSpPr>
+      <p:sp>
+        <p:nvSpPr>
+          <p:cNvPr id="26" name="矩形 25">
+            <a:extLst>
+              <a:ext uri="{FF2B5EF4-FFF2-40B4-BE49-F238E27FC236}">
+                <a16:creationId xmlns:a16="http://schemas.microsoft.com/office/drawing/2014/main" id="{CE6225C8-1C02-3AEB-65C4-1F264C47FB21}"/>
+              </a:ext>
+            </a:extLst>
+          </p:cNvPr>
+          <p:cNvSpPr/>
+          <p:nvPr/>
+        </p:nvSpPr>
+        <p:spPr>
+          <a:xfrm>
+            <a:off x="712402" y="800100"/>
+            <a:ext cx="7762127" cy="4584526"/>
+          </a:xfrm>
+          <a:prstGeom prst="rect">
+            <a:avLst/>
+          </a:prstGeom>
+        </p:spPr>
+        <p:style>
+          <a:lnRef idx="2">
+            <a:schemeClr val="accent6"/>
+          </a:lnRef>
+          <a:fillRef idx="1">
+            <a:schemeClr val="lt1"/>
+          </a:fillRef>
+          <a:effectRef idx="0">
+            <a:schemeClr val="accent6"/>
+          </a:effectRef>
+          <a:fontRef idx="minor">
+            <a:schemeClr val="dk1"/>
+          </a:fontRef>
+        </p:style>
+        <p:txBody>
+          <a:bodyPr rtlCol="0" anchor="ctr"/>
+          <a:lstStyle/>
+          <a:p>
+            <a:pPr algn="ctr"/>
+            <a:endParaRPr lang="zh-CN" altLang="en-US" dirty="0"/>
+          </a:p>
+        </p:txBody>
+      </p:sp>
+      <p:sp>
+        <p:nvSpPr>
+          <p:cNvPr id="5" name="矩形 4">
+            <a:extLst>
+              <a:ext uri="{FF2B5EF4-FFF2-40B4-BE49-F238E27FC236}">
+                <a16:creationId xmlns:a16="http://schemas.microsoft.com/office/drawing/2014/main" id="{BABCB854-B151-2C1E-4FBB-4935F5FD4DEC}"/>
+              </a:ext>
+            </a:extLst>
+          </p:cNvPr>
+          <p:cNvSpPr/>
+          <p:nvPr/>
+        </p:nvSpPr>
+        <p:spPr>
+          <a:xfrm>
+            <a:off x="2025709" y="1757709"/>
+            <a:ext cx="2219909" cy="561092"/>
+          </a:xfrm>
+          <a:prstGeom prst="rect">
+            <a:avLst/>
+          </a:prstGeom>
+          <a:solidFill>
+            <a:schemeClr val="accent2"/>
+          </a:solidFill>
+        </p:spPr>
+        <p:style>
+          <a:lnRef idx="2">
+            <a:schemeClr val="accent1">
+              <a:shade val="50000"/>
+            </a:schemeClr>
+          </a:lnRef>
+          <a:fillRef idx="1">
+            <a:schemeClr val="accent1"/>
+          </a:fillRef>
+          <a:effectRef idx="0">
+            <a:schemeClr val="accent1"/>
+          </a:effectRef>
+          <a:fontRef idx="minor">
+            <a:schemeClr val="lt1"/>
+          </a:fontRef>
+        </p:style>
+        <p:txBody>
+          <a:bodyPr rtlCol="0" anchor="ctr"/>
+          <a:lstStyle/>
+          <a:p>
+            <a:pPr algn="ctr"/>
+            <a:r>
+              <a:rPr lang="en-US" altLang="zh-CN" dirty="0" err="1"/>
+              <a:t>nop-autotest-junit</a:t>
+            </a:r>
+            <a:endParaRPr lang="zh-CN" altLang="en-US" dirty="0"/>
+          </a:p>
+        </p:txBody>
+      </p:sp>
+      <p:sp>
+        <p:nvSpPr>
+          <p:cNvPr id="39" name="文本框 38">
+            <a:extLst>
+              <a:ext uri="{FF2B5EF4-FFF2-40B4-BE49-F238E27FC236}">
+                <a16:creationId xmlns:a16="http://schemas.microsoft.com/office/drawing/2014/main" id="{E7C70F86-3E90-F941-5229-5CCA991AB3C8}"/>
+              </a:ext>
+            </a:extLst>
+          </p:cNvPr>
+          <p:cNvSpPr txBox="1"/>
+          <p:nvPr/>
+        </p:nvSpPr>
+        <p:spPr>
+          <a:xfrm>
+            <a:off x="799079" y="1104042"/>
+            <a:ext cx="1650206" cy="369332"/>
+          </a:xfrm>
+          <a:prstGeom prst="rect">
+            <a:avLst/>
+          </a:prstGeom>
+          <a:noFill/>
+        </p:spPr>
+        <p:txBody>
+          <a:bodyPr wrap="square" rtlCol="0">
+            <a:spAutoFit/>
+          </a:bodyPr>
+          <a:lstStyle/>
+          <a:p>
+            <a:r>
+              <a:rPr lang="zh-CN" altLang="en-US" b="1" dirty="0"/>
+              <a:t>自动化测试</a:t>
+            </a:r>
+          </a:p>
+        </p:txBody>
+      </p:sp>
+      <p:cxnSp>
+        <p:nvCxnSpPr>
+          <p:cNvPr id="22" name="直接箭头连接符 21">
+            <a:extLst>
+              <a:ext uri="{FF2B5EF4-FFF2-40B4-BE49-F238E27FC236}">
+                <a16:creationId xmlns:a16="http://schemas.microsoft.com/office/drawing/2014/main" id="{2D6B6CED-45E7-6BCF-88C9-7676CD6A0B3C}"/>
+              </a:ext>
+            </a:extLst>
+          </p:cNvPr>
+          <p:cNvCxnSpPr>
+            <a:cxnSpLocks/>
+          </p:cNvCxnSpPr>
+          <p:nvPr/>
+        </p:nvCxnSpPr>
+        <p:spPr>
+          <a:xfrm>
+            <a:off x="3129510" y="2457449"/>
+            <a:ext cx="6153" cy="487714"/>
+          </a:xfrm>
+          <a:prstGeom prst="straightConnector1">
+            <a:avLst/>
+          </a:prstGeom>
+          <a:ln>
+            <a:tailEnd type="triangle"/>
+          </a:ln>
+        </p:spPr>
+        <p:style>
+          <a:lnRef idx="1">
+            <a:schemeClr val="accent1"/>
+          </a:lnRef>
+          <a:fillRef idx="0">
+            <a:schemeClr val="accent1"/>
+          </a:fillRef>
+          <a:effectRef idx="0">
+            <a:schemeClr val="accent1"/>
+          </a:effectRef>
+          <a:fontRef idx="minor">
+            <a:schemeClr val="tx1"/>
+          </a:fontRef>
+        </p:style>
+      </p:cxnSp>
+      <p:cxnSp>
+        <p:nvCxnSpPr>
+          <p:cNvPr id="24" name="直接箭头连接符 23">
+            <a:extLst>
+              <a:ext uri="{FF2B5EF4-FFF2-40B4-BE49-F238E27FC236}">
+                <a16:creationId xmlns:a16="http://schemas.microsoft.com/office/drawing/2014/main" id="{A8E5B6FE-2B08-8068-A7CA-1E608527AB6E}"/>
+              </a:ext>
+            </a:extLst>
+          </p:cNvPr>
+          <p:cNvCxnSpPr>
+            <a:cxnSpLocks/>
+          </p:cNvCxnSpPr>
+          <p:nvPr/>
+        </p:nvCxnSpPr>
+        <p:spPr>
+          <a:xfrm>
+            <a:off x="3543300" y="3778678"/>
+            <a:ext cx="563335" cy="327957"/>
+          </a:xfrm>
+          <a:prstGeom prst="straightConnector1">
+            <a:avLst/>
+          </a:prstGeom>
+          <a:ln>
+            <a:tailEnd type="triangle"/>
+          </a:ln>
+        </p:spPr>
+        <p:style>
+          <a:lnRef idx="1">
+            <a:schemeClr val="accent1"/>
+          </a:lnRef>
+          <a:fillRef idx="0">
+            <a:schemeClr val="accent1"/>
+          </a:fillRef>
+          <a:effectRef idx="0">
+            <a:schemeClr val="accent1"/>
+          </a:effectRef>
+          <a:fontRef idx="minor">
+            <a:schemeClr val="tx1"/>
+          </a:fontRef>
+        </p:style>
+      </p:cxnSp>
+      <p:cxnSp>
+        <p:nvCxnSpPr>
+          <p:cNvPr id="16" name="直接箭头连接符 15">
+            <a:extLst>
+              <a:ext uri="{FF2B5EF4-FFF2-40B4-BE49-F238E27FC236}">
+                <a16:creationId xmlns:a16="http://schemas.microsoft.com/office/drawing/2014/main" id="{956C04BD-C95C-2E8D-E335-9F0C2636C061}"/>
+              </a:ext>
+            </a:extLst>
+          </p:cNvPr>
+          <p:cNvCxnSpPr>
+            <a:cxnSpLocks/>
+          </p:cNvCxnSpPr>
+          <p:nvPr/>
+        </p:nvCxnSpPr>
+        <p:spPr>
+          <a:xfrm>
+            <a:off x="4405664" y="1998135"/>
+            <a:ext cx="664419" cy="0"/>
+          </a:xfrm>
+          <a:prstGeom prst="straightConnector1">
+            <a:avLst/>
+          </a:prstGeom>
+          <a:ln>
+            <a:tailEnd type="triangle"/>
+          </a:ln>
+        </p:spPr>
+        <p:style>
+          <a:lnRef idx="1">
+            <a:schemeClr val="accent1"/>
+          </a:lnRef>
+          <a:fillRef idx="0">
+            <a:schemeClr val="accent1"/>
+          </a:fillRef>
+          <a:effectRef idx="0">
+            <a:schemeClr val="accent1"/>
+          </a:effectRef>
+          <a:fontRef idx="minor">
+            <a:schemeClr val="tx1"/>
+          </a:fontRef>
+        </p:style>
+      </p:cxnSp>
+      <p:cxnSp>
+        <p:nvCxnSpPr>
+          <p:cNvPr id="25" name="直接箭头连接符 24">
+            <a:extLst>
+              <a:ext uri="{FF2B5EF4-FFF2-40B4-BE49-F238E27FC236}">
+                <a16:creationId xmlns:a16="http://schemas.microsoft.com/office/drawing/2014/main" id="{643C29C7-5F23-F8FA-CC12-8CA4556E2194}"/>
+              </a:ext>
+            </a:extLst>
+          </p:cNvPr>
+          <p:cNvCxnSpPr>
+            <a:cxnSpLocks/>
+          </p:cNvCxnSpPr>
+          <p:nvPr/>
+        </p:nvCxnSpPr>
+        <p:spPr>
+          <a:xfrm flipH="1">
+            <a:off x="2462671" y="3764215"/>
+            <a:ext cx="460143" cy="342420"/>
+          </a:xfrm>
+          <a:prstGeom prst="straightConnector1">
+            <a:avLst/>
+          </a:prstGeom>
+          <a:ln>
+            <a:tailEnd type="triangle"/>
+          </a:ln>
+        </p:spPr>
+        <p:style>
+          <a:lnRef idx="1">
+            <a:schemeClr val="accent1"/>
+          </a:lnRef>
+          <a:fillRef idx="0">
+            <a:schemeClr val="accent1"/>
+          </a:fillRef>
+          <a:effectRef idx="0">
+            <a:schemeClr val="accent1"/>
+          </a:effectRef>
+          <a:fontRef idx="minor">
+            <a:schemeClr val="tx1"/>
+          </a:fontRef>
+        </p:style>
+      </p:cxnSp>
+      <p:sp>
+        <p:nvSpPr>
+          <p:cNvPr id="27" name="矩形 26">
+            <a:extLst>
+              <a:ext uri="{FF2B5EF4-FFF2-40B4-BE49-F238E27FC236}">
+                <a16:creationId xmlns:a16="http://schemas.microsoft.com/office/drawing/2014/main" id="{813A3606-9C6C-D89B-190C-B1DD3B0093BD}"/>
+              </a:ext>
+            </a:extLst>
+          </p:cNvPr>
+          <p:cNvSpPr/>
+          <p:nvPr/>
+        </p:nvSpPr>
+        <p:spPr>
+          <a:xfrm>
+            <a:off x="1197031" y="4220205"/>
+            <a:ext cx="1932479" cy="567758"/>
+          </a:xfrm>
+          <a:prstGeom prst="rect">
+            <a:avLst/>
+          </a:prstGeom>
+        </p:spPr>
+        <p:style>
+          <a:lnRef idx="2">
+            <a:schemeClr val="accent1">
+              <a:shade val="50000"/>
+            </a:schemeClr>
+          </a:lnRef>
+          <a:fillRef idx="1">
+            <a:schemeClr val="accent1"/>
+          </a:fillRef>
+          <a:effectRef idx="0">
+            <a:schemeClr val="accent1"/>
+          </a:effectRef>
+          <a:fontRef idx="minor">
+            <a:schemeClr val="lt1"/>
+          </a:fontRef>
+        </p:style>
+        <p:txBody>
+          <a:bodyPr rtlCol="0" anchor="ctr"/>
+          <a:lstStyle/>
+          <a:p>
+            <a:pPr algn="ctr"/>
+            <a:r>
+              <a:rPr lang="en-US" altLang="zh-CN" dirty="0" err="1"/>
+              <a:t>nop-orm</a:t>
+            </a:r>
+            <a:endParaRPr lang="zh-CN" altLang="en-US" dirty="0"/>
+          </a:p>
+        </p:txBody>
+      </p:sp>
+      <p:sp>
+        <p:nvSpPr>
+          <p:cNvPr id="32" name="矩形 31">
+            <a:extLst>
+              <a:ext uri="{FF2B5EF4-FFF2-40B4-BE49-F238E27FC236}">
+                <a16:creationId xmlns:a16="http://schemas.microsoft.com/office/drawing/2014/main" id="{54C0E18A-5653-7FCD-58CF-B1A32E6B6B57}"/>
+              </a:ext>
+            </a:extLst>
+          </p:cNvPr>
+          <p:cNvSpPr/>
+          <p:nvPr/>
+        </p:nvSpPr>
+        <p:spPr>
+          <a:xfrm>
+            <a:off x="2040807" y="3064913"/>
+            <a:ext cx="2219909" cy="567758"/>
+          </a:xfrm>
+          <a:prstGeom prst="rect">
+            <a:avLst/>
+          </a:prstGeom>
+        </p:spPr>
+        <p:style>
+          <a:lnRef idx="2">
+            <a:schemeClr val="accent1">
+              <a:shade val="50000"/>
+            </a:schemeClr>
+          </a:lnRef>
+          <a:fillRef idx="1">
+            <a:schemeClr val="accent1"/>
+          </a:fillRef>
+          <a:effectRef idx="0">
+            <a:schemeClr val="accent1"/>
+          </a:effectRef>
+          <a:fontRef idx="minor">
+            <a:schemeClr val="lt1"/>
+          </a:fontRef>
+        </p:style>
+        <p:txBody>
+          <a:bodyPr rtlCol="0" anchor="ctr"/>
+          <a:lstStyle/>
+          <a:p>
+            <a:pPr algn="ctr"/>
+            <a:r>
+              <a:rPr lang="en-US" altLang="zh-CN" dirty="0" err="1"/>
+              <a:t>nop</a:t>
+            </a:r>
+            <a:r>
+              <a:rPr lang="en-US" altLang="zh-CN" dirty="0"/>
+              <a:t>-</a:t>
+            </a:r>
+            <a:r>
+              <a:rPr lang="en-US" altLang="zh-CN" dirty="0" err="1"/>
+              <a:t>autotest</a:t>
+            </a:r>
+            <a:r>
+              <a:rPr lang="en-US" altLang="zh-CN" dirty="0"/>
+              <a:t>-core</a:t>
+            </a:r>
+            <a:endParaRPr lang="zh-CN" altLang="en-US" dirty="0"/>
+          </a:p>
+        </p:txBody>
+      </p:sp>
+      <p:sp>
+        <p:nvSpPr>
+          <p:cNvPr id="2" name="矩形 1">
+            <a:extLst>
+              <a:ext uri="{FF2B5EF4-FFF2-40B4-BE49-F238E27FC236}">
+                <a16:creationId xmlns:a16="http://schemas.microsoft.com/office/drawing/2014/main" id="{DA647846-3301-437B-B861-E11CFF4AAD3C}"/>
+              </a:ext>
+            </a:extLst>
+          </p:cNvPr>
+          <p:cNvSpPr/>
+          <p:nvPr/>
+        </p:nvSpPr>
+        <p:spPr>
+          <a:xfrm>
+            <a:off x="5197095" y="1714256"/>
+            <a:ext cx="1932478" cy="567758"/>
+          </a:xfrm>
+          <a:prstGeom prst="rect">
+            <a:avLst/>
+          </a:prstGeom>
+        </p:spPr>
+        <p:style>
+          <a:lnRef idx="2">
+            <a:schemeClr val="accent1">
+              <a:shade val="50000"/>
+            </a:schemeClr>
+          </a:lnRef>
+          <a:fillRef idx="1">
+            <a:schemeClr val="accent1"/>
+          </a:fillRef>
+          <a:effectRef idx="0">
+            <a:schemeClr val="accent1"/>
+          </a:effectRef>
+          <a:fontRef idx="minor">
+            <a:schemeClr val="lt1"/>
+          </a:fontRef>
+        </p:style>
+        <p:txBody>
+          <a:bodyPr rtlCol="0" anchor="ctr"/>
+          <a:lstStyle/>
+          <a:p>
+            <a:pPr algn="ctr"/>
+            <a:r>
+              <a:rPr lang="en-US" altLang="zh-CN" dirty="0" err="1"/>
+              <a:t>nop-ioc</a:t>
+            </a:r>
+            <a:endParaRPr lang="zh-CN" altLang="en-US" dirty="0"/>
+          </a:p>
+        </p:txBody>
+      </p:sp>
+      <p:sp>
+        <p:nvSpPr>
+          <p:cNvPr id="3" name="矩形 2">
+            <a:extLst>
+              <a:ext uri="{FF2B5EF4-FFF2-40B4-BE49-F238E27FC236}">
+                <a16:creationId xmlns:a16="http://schemas.microsoft.com/office/drawing/2014/main" id="{FDC75E18-DB43-705D-B9F6-4056DBC172D8}"/>
+              </a:ext>
+            </a:extLst>
+          </p:cNvPr>
+          <p:cNvSpPr/>
+          <p:nvPr/>
+        </p:nvSpPr>
+        <p:spPr>
+          <a:xfrm>
+            <a:off x="5197095" y="2728080"/>
+            <a:ext cx="1932478" cy="567758"/>
+          </a:xfrm>
+          <a:prstGeom prst="rect">
+            <a:avLst/>
+          </a:prstGeom>
+        </p:spPr>
+        <p:style>
+          <a:lnRef idx="2">
+            <a:schemeClr val="accent1">
+              <a:shade val="50000"/>
+            </a:schemeClr>
+          </a:lnRef>
+          <a:fillRef idx="1">
+            <a:schemeClr val="accent1"/>
+          </a:fillRef>
+          <a:effectRef idx="0">
+            <a:schemeClr val="accent1"/>
+          </a:effectRef>
+          <a:fontRef idx="minor">
+            <a:schemeClr val="lt1"/>
+          </a:fontRef>
+        </p:style>
+        <p:txBody>
+          <a:bodyPr rtlCol="0" anchor="ctr"/>
+          <a:lstStyle/>
+          <a:p>
+            <a:pPr algn="ctr"/>
+            <a:r>
+              <a:rPr lang="en-US" altLang="zh-CN" dirty="0" err="1"/>
+              <a:t>nop</a:t>
+            </a:r>
+            <a:r>
+              <a:rPr lang="en-US" altLang="zh-CN" dirty="0"/>
+              <a:t>-config</a:t>
+            </a:r>
+            <a:endParaRPr lang="zh-CN" altLang="en-US" dirty="0"/>
+          </a:p>
+        </p:txBody>
+      </p:sp>
+      <p:sp>
+        <p:nvSpPr>
+          <p:cNvPr id="4" name="矩形 3">
+            <a:extLst>
+              <a:ext uri="{FF2B5EF4-FFF2-40B4-BE49-F238E27FC236}">
+                <a16:creationId xmlns:a16="http://schemas.microsoft.com/office/drawing/2014/main" id="{68A99066-C035-E29E-8548-6FF6EAA433F2}"/>
+              </a:ext>
+            </a:extLst>
+          </p:cNvPr>
+          <p:cNvSpPr/>
+          <p:nvPr/>
+        </p:nvSpPr>
+        <p:spPr>
+          <a:xfrm>
+            <a:off x="3572402" y="4220205"/>
+            <a:ext cx="1932479" cy="567758"/>
+          </a:xfrm>
+          <a:prstGeom prst="rect">
+            <a:avLst/>
+          </a:prstGeom>
+        </p:spPr>
+        <p:style>
+          <a:lnRef idx="2">
+            <a:schemeClr val="accent1">
+              <a:shade val="50000"/>
+            </a:schemeClr>
+          </a:lnRef>
+          <a:fillRef idx="1">
+            <a:schemeClr val="accent1"/>
+          </a:fillRef>
+          <a:effectRef idx="0">
+            <a:schemeClr val="accent1"/>
+          </a:effectRef>
+          <a:fontRef idx="minor">
+            <a:schemeClr val="lt1"/>
+          </a:fontRef>
+        </p:style>
+        <p:txBody>
+          <a:bodyPr rtlCol="0" anchor="ctr"/>
+          <a:lstStyle/>
+          <a:p>
+            <a:pPr algn="ctr"/>
+            <a:r>
+              <a:rPr lang="en-US" altLang="zh-CN" dirty="0" err="1"/>
+              <a:t>nop</a:t>
+            </a:r>
+            <a:r>
+              <a:rPr lang="en-US" altLang="zh-CN" dirty="0"/>
+              <a:t>-match</a:t>
+            </a:r>
+            <a:endParaRPr lang="zh-CN" altLang="en-US" dirty="0"/>
+          </a:p>
+        </p:txBody>
+      </p:sp>
+      <p:cxnSp>
+        <p:nvCxnSpPr>
+          <p:cNvPr id="14" name="直接箭头连接符 13">
+            <a:extLst>
+              <a:ext uri="{FF2B5EF4-FFF2-40B4-BE49-F238E27FC236}">
+                <a16:creationId xmlns:a16="http://schemas.microsoft.com/office/drawing/2014/main" id="{EE4457DD-148D-5E29-C89B-3F838F2A1944}"/>
+              </a:ext>
+            </a:extLst>
+          </p:cNvPr>
+          <p:cNvCxnSpPr>
+            <a:cxnSpLocks/>
+          </p:cNvCxnSpPr>
+          <p:nvPr/>
+        </p:nvCxnSpPr>
+        <p:spPr>
+          <a:xfrm>
+            <a:off x="4405664" y="2282014"/>
+            <a:ext cx="664419" cy="303656"/>
+          </a:xfrm>
+          <a:prstGeom prst="straightConnector1">
+            <a:avLst/>
+          </a:prstGeom>
+          <a:ln>
+            <a:tailEnd type="triangle"/>
+          </a:ln>
+        </p:spPr>
+        <p:style>
+          <a:lnRef idx="1">
+            <a:schemeClr val="accent1"/>
+          </a:lnRef>
+          <a:fillRef idx="0">
+            <a:schemeClr val="accent1"/>
+          </a:fillRef>
+          <a:effectRef idx="0">
+            <a:schemeClr val="accent1"/>
+          </a:effectRef>
+          <a:fontRef idx="minor">
+            <a:schemeClr val="tx1"/>
+          </a:fontRef>
+        </p:style>
+      </p:cxnSp>
+      <p:sp>
+        <p:nvSpPr>
+          <p:cNvPr id="20" name="矩形 19">
+            <a:extLst>
+              <a:ext uri="{FF2B5EF4-FFF2-40B4-BE49-F238E27FC236}">
+                <a16:creationId xmlns:a16="http://schemas.microsoft.com/office/drawing/2014/main" id="{84D9F9E0-8410-841D-9511-7A46D5000595}"/>
+              </a:ext>
+            </a:extLst>
+          </p:cNvPr>
+          <p:cNvSpPr/>
+          <p:nvPr/>
+        </p:nvSpPr>
+        <p:spPr>
+          <a:xfrm>
+            <a:off x="5947773" y="4220205"/>
+            <a:ext cx="1932479" cy="567758"/>
+          </a:xfrm>
+          <a:prstGeom prst="rect">
+            <a:avLst/>
+          </a:prstGeom>
+        </p:spPr>
+        <p:style>
+          <a:lnRef idx="2">
+            <a:schemeClr val="accent1">
+              <a:shade val="50000"/>
+            </a:schemeClr>
+          </a:lnRef>
+          <a:fillRef idx="1">
+            <a:schemeClr val="accent1"/>
+          </a:fillRef>
+          <a:effectRef idx="0">
+            <a:schemeClr val="accent1"/>
+          </a:effectRef>
+          <a:fontRef idx="minor">
+            <a:schemeClr val="lt1"/>
+          </a:fontRef>
+        </p:style>
+        <p:txBody>
+          <a:bodyPr rtlCol="0" anchor="ctr"/>
+          <a:lstStyle/>
+          <a:p>
+            <a:pPr algn="ctr"/>
+            <a:r>
+              <a:rPr lang="en-US" altLang="zh-CN" dirty="0" err="1"/>
+              <a:t>nop-xlang</a:t>
+            </a:r>
+            <a:endParaRPr lang="zh-CN" altLang="en-US" dirty="0"/>
+          </a:p>
+        </p:txBody>
+      </p:sp>
+      <p:cxnSp>
+        <p:nvCxnSpPr>
+          <p:cNvPr id="28" name="直接箭头连接符 27">
+            <a:extLst>
+              <a:ext uri="{FF2B5EF4-FFF2-40B4-BE49-F238E27FC236}">
+                <a16:creationId xmlns:a16="http://schemas.microsoft.com/office/drawing/2014/main" id="{62970F66-CBBC-240E-E5A0-778F15814F0D}"/>
+              </a:ext>
+            </a:extLst>
+          </p:cNvPr>
+          <p:cNvCxnSpPr>
+            <a:cxnSpLocks/>
+          </p:cNvCxnSpPr>
+          <p:nvPr/>
+        </p:nvCxnSpPr>
+        <p:spPr>
+          <a:xfrm>
+            <a:off x="4405664" y="3437165"/>
+            <a:ext cx="1848179" cy="604157"/>
+          </a:xfrm>
+          <a:prstGeom prst="straightConnector1">
+            <a:avLst/>
+          </a:prstGeom>
+          <a:ln>
+            <a:tailEnd type="triangle"/>
+          </a:ln>
+        </p:spPr>
+        <p:style>
+          <a:lnRef idx="1">
+            <a:schemeClr val="accent1"/>
+          </a:lnRef>
+          <a:fillRef idx="0">
+            <a:schemeClr val="accent1"/>
+          </a:fillRef>
+          <a:effectRef idx="0">
+            <a:schemeClr val="accent1"/>
+          </a:effectRef>
+          <a:fontRef idx="minor">
+            <a:schemeClr val="tx1"/>
+          </a:fontRef>
+        </p:style>
+      </p:cxnSp>
+    </p:spTree>
+    <p:extLst>
+      <p:ext uri="{BB962C8B-B14F-4D97-AF65-F5344CB8AC3E}">
+        <p14:creationId xmlns:p14="http://schemas.microsoft.com/office/powerpoint/2010/main" val="1612351623"/>
+      </p:ext>
+    </p:extLst>
+  </p:cSld>
+  <p:clrMapOvr>
+    <a:masterClrMapping/>
+  </p:clrMapOvr>
+</p:sld>
+</file>
+
+<file path=ppt/slides/slide8.xml><?xml version="1.0" encoding="utf-8"?>
+<p:sld xmlns:a="http://schemas.openxmlformats.org/drawingml/2006/main" xmlns:r="http://schemas.openxmlformats.org/officeDocument/2006/relationships" xmlns:p="http://schemas.openxmlformats.org/presentationml/2006/main">
+  <p:cSld>
+    <p:spTree>
+      <p:nvGrpSpPr>
+        <p:cNvPr id="1" name=""/>
+        <p:cNvGrpSpPr/>
+        <p:nvPr/>
+      </p:nvGrpSpPr>
+      <p:grpSpPr>
+        <a:xfrm>
+          <a:off x="0" y="0"/>
+          <a:ext cx="0" cy="0"/>
+          <a:chOff x="0" y="0"/>
+          <a:chExt cx="0" cy="0"/>
+        </a:xfrm>
+      </p:grpSpPr>
+      <p:sp>
+        <p:nvSpPr>
+          <p:cNvPr id="26" name="矩形 25">
+            <a:extLst>
+              <a:ext uri="{FF2B5EF4-FFF2-40B4-BE49-F238E27FC236}">
+                <a16:creationId xmlns:a16="http://schemas.microsoft.com/office/drawing/2014/main" id="{CE6225C8-1C02-3AEB-65C4-1F264C47FB21}"/>
+              </a:ext>
+            </a:extLst>
+          </p:cNvPr>
+          <p:cNvSpPr/>
+          <p:nvPr/>
+        </p:nvSpPr>
+        <p:spPr>
+          <a:xfrm>
+            <a:off x="712402" y="800100"/>
+            <a:ext cx="7313091" cy="4584526"/>
+          </a:xfrm>
+          <a:prstGeom prst="rect">
+            <a:avLst/>
+          </a:prstGeom>
+        </p:spPr>
+        <p:style>
+          <a:lnRef idx="2">
+            <a:schemeClr val="accent6"/>
+          </a:lnRef>
+          <a:fillRef idx="1">
+            <a:schemeClr val="lt1"/>
+          </a:fillRef>
+          <a:effectRef idx="0">
+            <a:schemeClr val="accent6"/>
+          </a:effectRef>
+          <a:fontRef idx="minor">
+            <a:schemeClr val="dk1"/>
+          </a:fontRef>
+        </p:style>
+        <p:txBody>
+          <a:bodyPr rtlCol="0" anchor="ctr"/>
+          <a:lstStyle/>
+          <a:p>
+            <a:pPr algn="ctr"/>
+            <a:endParaRPr lang="zh-CN" altLang="en-US" dirty="0"/>
+          </a:p>
+        </p:txBody>
+      </p:sp>
+      <p:sp>
+        <p:nvSpPr>
+          <p:cNvPr id="39" name="文本框 38">
+            <a:extLst>
+              <a:ext uri="{FF2B5EF4-FFF2-40B4-BE49-F238E27FC236}">
+                <a16:creationId xmlns:a16="http://schemas.microsoft.com/office/drawing/2014/main" id="{E7C70F86-3E90-F941-5229-5CCA991AB3C8}"/>
+              </a:ext>
+            </a:extLst>
+          </p:cNvPr>
+          <p:cNvSpPr txBox="1"/>
+          <p:nvPr/>
+        </p:nvSpPr>
+        <p:spPr>
+          <a:xfrm>
+            <a:off x="799079" y="1104042"/>
+            <a:ext cx="1650206" cy="369332"/>
+          </a:xfrm>
+          <a:prstGeom prst="rect">
+            <a:avLst/>
+          </a:prstGeom>
+          <a:noFill/>
+        </p:spPr>
+        <p:txBody>
+          <a:bodyPr wrap="square" rtlCol="0">
+            <a:spAutoFit/>
+          </a:bodyPr>
+          <a:lstStyle/>
+          <a:p>
+            <a:r>
+              <a:rPr lang="en-US" altLang="zh-CN" b="1" dirty="0"/>
+              <a:t>IDEA</a:t>
+            </a:r>
+            <a:r>
+              <a:rPr lang="zh-CN" altLang="en-US" b="1" dirty="0"/>
+              <a:t>插件</a:t>
+            </a:r>
+          </a:p>
+        </p:txBody>
+      </p:sp>
+      <p:cxnSp>
+        <p:nvCxnSpPr>
+          <p:cNvPr id="22" name="直接箭头连接符 21">
+            <a:extLst>
+              <a:ext uri="{FF2B5EF4-FFF2-40B4-BE49-F238E27FC236}">
+                <a16:creationId xmlns:a16="http://schemas.microsoft.com/office/drawing/2014/main" id="{2D6B6CED-45E7-6BCF-88C9-7676CD6A0B3C}"/>
+              </a:ext>
+            </a:extLst>
+          </p:cNvPr>
+          <p:cNvCxnSpPr>
+            <a:cxnSpLocks/>
+          </p:cNvCxnSpPr>
+          <p:nvPr/>
+        </p:nvCxnSpPr>
+        <p:spPr>
+          <a:xfrm flipH="1">
+            <a:off x="2367642" y="1885372"/>
+            <a:ext cx="790963" cy="472396"/>
+          </a:xfrm>
+          <a:prstGeom prst="straightConnector1">
+            <a:avLst/>
+          </a:prstGeom>
+          <a:ln>
+            <a:tailEnd type="triangle"/>
+          </a:ln>
+        </p:spPr>
+        <p:style>
+          <a:lnRef idx="1">
+            <a:schemeClr val="accent1"/>
+          </a:lnRef>
+          <a:fillRef idx="0">
+            <a:schemeClr val="accent1"/>
+          </a:fillRef>
+          <a:effectRef idx="0">
+            <a:schemeClr val="accent1"/>
+          </a:effectRef>
+          <a:fontRef idx="minor">
+            <a:schemeClr val="tx1"/>
+          </a:fontRef>
+        </p:style>
+      </p:cxnSp>
+      <p:cxnSp>
+        <p:nvCxnSpPr>
+          <p:cNvPr id="24" name="直接箭头连接符 23">
+            <a:extLst>
+              <a:ext uri="{FF2B5EF4-FFF2-40B4-BE49-F238E27FC236}">
+                <a16:creationId xmlns:a16="http://schemas.microsoft.com/office/drawing/2014/main" id="{A8E5B6FE-2B08-8068-A7CA-1E608527AB6E}"/>
+              </a:ext>
+            </a:extLst>
+          </p:cNvPr>
+          <p:cNvCxnSpPr>
+            <a:cxnSpLocks/>
+          </p:cNvCxnSpPr>
+          <p:nvPr/>
+        </p:nvCxnSpPr>
+        <p:spPr>
+          <a:xfrm>
+            <a:off x="5102679" y="4057652"/>
+            <a:ext cx="612321" cy="264423"/>
+          </a:xfrm>
+          <a:prstGeom prst="straightConnector1">
+            <a:avLst/>
+          </a:prstGeom>
+          <a:ln>
+            <a:tailEnd type="triangle"/>
+          </a:ln>
+        </p:spPr>
+        <p:style>
+          <a:lnRef idx="1">
+            <a:schemeClr val="accent1"/>
+          </a:lnRef>
+          <a:fillRef idx="0">
+            <a:schemeClr val="accent1"/>
+          </a:fillRef>
+          <a:effectRef idx="0">
+            <a:schemeClr val="accent1"/>
+          </a:effectRef>
+          <a:fontRef idx="minor">
+            <a:schemeClr val="tx1"/>
+          </a:fontRef>
+        </p:style>
+      </p:cxnSp>
+      <p:cxnSp>
+        <p:nvCxnSpPr>
+          <p:cNvPr id="25" name="直接箭头连接符 24">
+            <a:extLst>
+              <a:ext uri="{FF2B5EF4-FFF2-40B4-BE49-F238E27FC236}">
+                <a16:creationId xmlns:a16="http://schemas.microsoft.com/office/drawing/2014/main" id="{643C29C7-5F23-F8FA-CC12-8CA4556E2194}"/>
+              </a:ext>
+            </a:extLst>
+          </p:cNvPr>
+          <p:cNvCxnSpPr>
+            <a:cxnSpLocks/>
+          </p:cNvCxnSpPr>
+          <p:nvPr/>
+        </p:nvCxnSpPr>
+        <p:spPr>
+          <a:xfrm flipH="1">
+            <a:off x="3295709" y="4089692"/>
+            <a:ext cx="386384" cy="294529"/>
+          </a:xfrm>
+          <a:prstGeom prst="straightConnector1">
+            <a:avLst/>
+          </a:prstGeom>
+          <a:ln>
+            <a:tailEnd type="triangle"/>
+          </a:ln>
+        </p:spPr>
+        <p:style>
+          <a:lnRef idx="1">
+            <a:schemeClr val="accent1"/>
+          </a:lnRef>
+          <a:fillRef idx="0">
+            <a:schemeClr val="accent1"/>
+          </a:fillRef>
+          <a:effectRef idx="0">
+            <a:schemeClr val="accent1"/>
+          </a:effectRef>
+          <a:fontRef idx="minor">
+            <a:schemeClr val="tx1"/>
+          </a:fontRef>
+        </p:style>
+      </p:cxnSp>
+      <p:sp>
+        <p:nvSpPr>
+          <p:cNvPr id="27" name="矩形 26">
+            <a:extLst>
+              <a:ext uri="{FF2B5EF4-FFF2-40B4-BE49-F238E27FC236}">
+                <a16:creationId xmlns:a16="http://schemas.microsoft.com/office/drawing/2014/main" id="{813A3606-9C6C-D89B-190C-B1DD3B0093BD}"/>
+              </a:ext>
+            </a:extLst>
+          </p:cNvPr>
+          <p:cNvSpPr/>
+          <p:nvPr/>
+        </p:nvSpPr>
+        <p:spPr>
+          <a:xfrm>
+            <a:off x="1019861" y="2450884"/>
+            <a:ext cx="1932479" cy="567758"/>
+          </a:xfrm>
+          <a:prstGeom prst="rect">
+            <a:avLst/>
+          </a:prstGeom>
+        </p:spPr>
+        <p:style>
+          <a:lnRef idx="2">
+            <a:schemeClr val="accent1">
+              <a:shade val="50000"/>
+            </a:schemeClr>
+          </a:lnRef>
+          <a:fillRef idx="1">
+            <a:schemeClr val="accent1"/>
+          </a:fillRef>
+          <a:effectRef idx="0">
+            <a:schemeClr val="accent1"/>
+          </a:effectRef>
+          <a:fontRef idx="minor">
+            <a:schemeClr val="lt1"/>
+          </a:fontRef>
+        </p:style>
+        <p:txBody>
+          <a:bodyPr rtlCol="0" anchor="ctr"/>
+          <a:lstStyle/>
+          <a:p>
+            <a:pPr algn="ctr"/>
+            <a:r>
+              <a:rPr lang="en-US" altLang="zh-CN" dirty="0" err="1"/>
+              <a:t>nop-xlang</a:t>
+            </a:r>
+            <a:endParaRPr lang="zh-CN" altLang="en-US" dirty="0"/>
+          </a:p>
+        </p:txBody>
+      </p:sp>
+      <p:sp>
+        <p:nvSpPr>
+          <p:cNvPr id="32" name="矩形 31">
+            <a:extLst>
+              <a:ext uri="{FF2B5EF4-FFF2-40B4-BE49-F238E27FC236}">
+                <a16:creationId xmlns:a16="http://schemas.microsoft.com/office/drawing/2014/main" id="{54C0E18A-5653-7FCD-58CF-B1A32E6B6B57}"/>
+              </a:ext>
+            </a:extLst>
+          </p:cNvPr>
+          <p:cNvSpPr/>
+          <p:nvPr/>
+        </p:nvSpPr>
+        <p:spPr>
+          <a:xfrm>
+            <a:off x="3295709" y="1473374"/>
+            <a:ext cx="2219909" cy="567758"/>
+          </a:xfrm>
+          <a:prstGeom prst="rect">
+            <a:avLst/>
+          </a:prstGeom>
+          <a:solidFill>
+            <a:schemeClr val="accent2"/>
+          </a:solidFill>
+        </p:spPr>
+        <p:style>
+          <a:lnRef idx="2">
+            <a:schemeClr val="accent1">
+              <a:shade val="50000"/>
+            </a:schemeClr>
+          </a:lnRef>
+          <a:fillRef idx="1">
+            <a:schemeClr val="accent1"/>
+          </a:fillRef>
+          <a:effectRef idx="0">
+            <a:schemeClr val="accent1"/>
+          </a:effectRef>
+          <a:fontRef idx="minor">
+            <a:schemeClr val="lt1"/>
+          </a:fontRef>
+        </p:style>
+        <p:txBody>
+          <a:bodyPr rtlCol="0" anchor="ctr"/>
+          <a:lstStyle/>
+          <a:p>
+            <a:pPr algn="ctr"/>
+            <a:r>
+              <a:rPr lang="en-US" altLang="zh-CN" dirty="0" err="1"/>
+              <a:t>nop</a:t>
+            </a:r>
+            <a:r>
+              <a:rPr lang="en-US" altLang="zh-CN" dirty="0"/>
+              <a:t>-idea-plugin</a:t>
+            </a:r>
+            <a:endParaRPr lang="zh-CN" altLang="en-US" dirty="0"/>
+          </a:p>
+        </p:txBody>
+      </p:sp>
+      <p:sp>
+        <p:nvSpPr>
+          <p:cNvPr id="4" name="矩形 3">
+            <a:extLst>
+              <a:ext uri="{FF2B5EF4-FFF2-40B4-BE49-F238E27FC236}">
+                <a16:creationId xmlns:a16="http://schemas.microsoft.com/office/drawing/2014/main" id="{68A99066-C035-E29E-8548-6FF6EAA433F2}"/>
+              </a:ext>
+            </a:extLst>
+          </p:cNvPr>
+          <p:cNvSpPr/>
+          <p:nvPr/>
+        </p:nvSpPr>
+        <p:spPr>
+          <a:xfrm>
+            <a:off x="3246401" y="2457449"/>
+            <a:ext cx="2375371" cy="567758"/>
+          </a:xfrm>
+          <a:prstGeom prst="rect">
+            <a:avLst/>
+          </a:prstGeom>
+        </p:spPr>
+        <p:style>
+          <a:lnRef idx="2">
+            <a:schemeClr val="accent1">
+              <a:shade val="50000"/>
+            </a:schemeClr>
+          </a:lnRef>
+          <a:fillRef idx="1">
+            <a:schemeClr val="accent1"/>
+          </a:fillRef>
+          <a:effectRef idx="0">
+            <a:schemeClr val="accent1"/>
+          </a:effectRef>
+          <a:fontRef idx="minor">
+            <a:schemeClr val="lt1"/>
+          </a:fontRef>
+        </p:style>
+        <p:txBody>
+          <a:bodyPr rtlCol="0" anchor="ctr"/>
+          <a:lstStyle/>
+          <a:p>
+            <a:pPr algn="ctr"/>
+            <a:r>
+              <a:rPr lang="en-US" altLang="zh-CN" dirty="0" err="1"/>
+              <a:t>nop</a:t>
+            </a:r>
+            <a:r>
+              <a:rPr lang="en-US" altLang="zh-CN" dirty="0"/>
+              <a:t>-</a:t>
+            </a:r>
+            <a:r>
+              <a:rPr lang="en-US" altLang="zh-CN" dirty="0" err="1"/>
+              <a:t>xlang</a:t>
+            </a:r>
+            <a:r>
+              <a:rPr lang="en-US" altLang="zh-CN" dirty="0"/>
+              <a:t>-debugger</a:t>
+            </a:r>
+            <a:endParaRPr lang="zh-CN" altLang="en-US" dirty="0"/>
+          </a:p>
+        </p:txBody>
+      </p:sp>
+      <p:sp>
+        <p:nvSpPr>
+          <p:cNvPr id="20" name="矩形 19">
+            <a:extLst>
+              <a:ext uri="{FF2B5EF4-FFF2-40B4-BE49-F238E27FC236}">
+                <a16:creationId xmlns:a16="http://schemas.microsoft.com/office/drawing/2014/main" id="{84D9F9E0-8410-841D-9511-7A46D5000595}"/>
+              </a:ext>
+            </a:extLst>
+          </p:cNvPr>
+          <p:cNvSpPr/>
+          <p:nvPr/>
+        </p:nvSpPr>
+        <p:spPr>
+          <a:xfrm>
+            <a:off x="3439423" y="3420835"/>
+            <a:ext cx="1932479" cy="567758"/>
+          </a:xfrm>
+          <a:prstGeom prst="rect">
+            <a:avLst/>
+          </a:prstGeom>
+        </p:spPr>
+        <p:style>
+          <a:lnRef idx="2">
+            <a:schemeClr val="accent1">
+              <a:shade val="50000"/>
+            </a:schemeClr>
+          </a:lnRef>
+          <a:fillRef idx="1">
+            <a:schemeClr val="accent1"/>
+          </a:fillRef>
+          <a:effectRef idx="0">
+            <a:schemeClr val="accent1"/>
+          </a:effectRef>
+          <a:fontRef idx="minor">
+            <a:schemeClr val="lt1"/>
+          </a:fontRef>
+        </p:style>
+        <p:txBody>
+          <a:bodyPr rtlCol="0" anchor="ctr"/>
+          <a:lstStyle/>
+          <a:p>
+            <a:pPr algn="ctr"/>
+            <a:r>
+              <a:rPr lang="en-US" altLang="zh-CN" dirty="0" err="1"/>
+              <a:t>nop</a:t>
+            </a:r>
+            <a:r>
+              <a:rPr lang="en-US" altLang="zh-CN" dirty="0"/>
+              <a:t>-</a:t>
+            </a:r>
+            <a:r>
+              <a:rPr lang="en-US" altLang="zh-CN" dirty="0" err="1"/>
+              <a:t>rpc</a:t>
+            </a:r>
+            <a:r>
+              <a:rPr lang="en-US" altLang="zh-CN" dirty="0"/>
+              <a:t>-simple</a:t>
+            </a:r>
+            <a:endParaRPr lang="zh-CN" altLang="en-US" dirty="0"/>
+          </a:p>
+        </p:txBody>
+      </p:sp>
+      <p:cxnSp>
+        <p:nvCxnSpPr>
+          <p:cNvPr id="28" name="直接箭头连接符 27">
+            <a:extLst>
+              <a:ext uri="{FF2B5EF4-FFF2-40B4-BE49-F238E27FC236}">
+                <a16:creationId xmlns:a16="http://schemas.microsoft.com/office/drawing/2014/main" id="{62970F66-CBBC-240E-E5A0-778F15814F0D}"/>
+              </a:ext>
+            </a:extLst>
+          </p:cNvPr>
+          <p:cNvCxnSpPr>
+            <a:cxnSpLocks/>
+          </p:cNvCxnSpPr>
+          <p:nvPr/>
+        </p:nvCxnSpPr>
+        <p:spPr>
+          <a:xfrm>
+            <a:off x="4401129" y="3118756"/>
+            <a:ext cx="0" cy="254108"/>
+          </a:xfrm>
+          <a:prstGeom prst="straightConnector1">
+            <a:avLst/>
+          </a:prstGeom>
+          <a:ln>
+            <a:tailEnd type="triangle"/>
+          </a:ln>
+        </p:spPr>
+        <p:style>
+          <a:lnRef idx="1">
+            <a:schemeClr val="accent1"/>
+          </a:lnRef>
+          <a:fillRef idx="0">
+            <a:schemeClr val="accent1"/>
+          </a:fillRef>
+          <a:effectRef idx="0">
+            <a:schemeClr val="accent1"/>
+          </a:effectRef>
+          <a:fontRef idx="minor">
+            <a:schemeClr val="tx1"/>
+          </a:fontRef>
+        </p:style>
+      </p:cxnSp>
+      <p:sp>
+        <p:nvSpPr>
+          <p:cNvPr id="6" name="矩形 5">
+            <a:extLst>
+              <a:ext uri="{FF2B5EF4-FFF2-40B4-BE49-F238E27FC236}">
+                <a16:creationId xmlns:a16="http://schemas.microsoft.com/office/drawing/2014/main" id="{14869E6F-3F23-CAC7-EE93-0F2120652A3B}"/>
+              </a:ext>
+            </a:extLst>
+          </p:cNvPr>
+          <p:cNvSpPr/>
+          <p:nvPr/>
+        </p:nvSpPr>
+        <p:spPr>
+          <a:xfrm>
+            <a:off x="2273007" y="4453280"/>
+            <a:ext cx="1932479" cy="567758"/>
+          </a:xfrm>
+          <a:prstGeom prst="rect">
+            <a:avLst/>
+          </a:prstGeom>
+        </p:spPr>
+        <p:style>
+          <a:lnRef idx="2">
+            <a:schemeClr val="accent1">
+              <a:shade val="50000"/>
+            </a:schemeClr>
+          </a:lnRef>
+          <a:fillRef idx="1">
+            <a:schemeClr val="accent1"/>
+          </a:fillRef>
+          <a:effectRef idx="0">
+            <a:schemeClr val="accent1"/>
+          </a:effectRef>
+          <a:fontRef idx="minor">
+            <a:schemeClr val="lt1"/>
+          </a:fontRef>
+        </p:style>
+        <p:txBody>
+          <a:bodyPr rtlCol="0" anchor="ctr"/>
+          <a:lstStyle/>
+          <a:p>
+            <a:pPr algn="ctr"/>
+            <a:r>
+              <a:rPr lang="en-US" altLang="zh-CN" dirty="0" err="1"/>
+              <a:t>nop</a:t>
+            </a:r>
+            <a:r>
+              <a:rPr lang="en-US" altLang="zh-CN" dirty="0"/>
+              <a:t>-</a:t>
+            </a:r>
+            <a:r>
+              <a:rPr lang="en-US" altLang="zh-CN" dirty="0" err="1"/>
+              <a:t>rpc</a:t>
+            </a:r>
+            <a:r>
+              <a:rPr lang="en-US" altLang="zh-CN" dirty="0"/>
+              <a:t>-core</a:t>
+            </a:r>
+            <a:endParaRPr lang="zh-CN" altLang="en-US" dirty="0"/>
+          </a:p>
+        </p:txBody>
+      </p:sp>
+      <p:sp>
+        <p:nvSpPr>
+          <p:cNvPr id="7" name="矩形 6">
+            <a:extLst>
+              <a:ext uri="{FF2B5EF4-FFF2-40B4-BE49-F238E27FC236}">
+                <a16:creationId xmlns:a16="http://schemas.microsoft.com/office/drawing/2014/main" id="{112A52AE-07AA-4D47-3616-356AA7D1B6A2}"/>
+              </a:ext>
+            </a:extLst>
+          </p:cNvPr>
+          <p:cNvSpPr/>
+          <p:nvPr/>
+        </p:nvSpPr>
+        <p:spPr>
+          <a:xfrm>
+            <a:off x="5028451" y="4429095"/>
+            <a:ext cx="1932479" cy="567758"/>
+          </a:xfrm>
+          <a:prstGeom prst="rect">
+            <a:avLst/>
+          </a:prstGeom>
+        </p:spPr>
+        <p:style>
+          <a:lnRef idx="2">
+            <a:schemeClr val="accent1">
+              <a:shade val="50000"/>
+            </a:schemeClr>
+          </a:lnRef>
+          <a:fillRef idx="1">
+            <a:schemeClr val="accent1"/>
+          </a:fillRef>
+          <a:effectRef idx="0">
+            <a:schemeClr val="accent1"/>
+          </a:effectRef>
+          <a:fontRef idx="minor">
+            <a:schemeClr val="lt1"/>
+          </a:fontRef>
+        </p:style>
+        <p:txBody>
+          <a:bodyPr rtlCol="0" anchor="ctr"/>
+          <a:lstStyle/>
+          <a:p>
+            <a:pPr algn="ctr"/>
+            <a:r>
+              <a:rPr lang="en-US" altLang="zh-CN" dirty="0" err="1"/>
+              <a:t>nop</a:t>
+            </a:r>
+            <a:r>
+              <a:rPr lang="en-US" altLang="zh-CN" dirty="0"/>
+              <a:t>-socket</a:t>
+            </a:r>
+            <a:endParaRPr lang="zh-CN" altLang="en-US" dirty="0"/>
+          </a:p>
+        </p:txBody>
+      </p:sp>
+      <p:cxnSp>
+        <p:nvCxnSpPr>
+          <p:cNvPr id="15" name="直接箭头连接符 14">
+            <a:extLst>
+              <a:ext uri="{FF2B5EF4-FFF2-40B4-BE49-F238E27FC236}">
+                <a16:creationId xmlns:a16="http://schemas.microsoft.com/office/drawing/2014/main" id="{F160B4AC-944B-D2A8-F651-5A7503EC08DA}"/>
+              </a:ext>
+            </a:extLst>
+          </p:cNvPr>
+          <p:cNvCxnSpPr>
+            <a:cxnSpLocks/>
+          </p:cNvCxnSpPr>
+          <p:nvPr/>
+        </p:nvCxnSpPr>
+        <p:spPr>
+          <a:xfrm>
+            <a:off x="4390241" y="2103660"/>
+            <a:ext cx="0" cy="254108"/>
+          </a:xfrm>
+          <a:prstGeom prst="straightConnector1">
+            <a:avLst/>
+          </a:prstGeom>
+          <a:ln>
+            <a:tailEnd type="triangle"/>
+          </a:ln>
+        </p:spPr>
+        <p:style>
+          <a:lnRef idx="1">
+            <a:schemeClr val="accent1"/>
+          </a:lnRef>
+          <a:fillRef idx="0">
+            <a:schemeClr val="accent1"/>
+          </a:fillRef>
+          <a:effectRef idx="0">
+            <a:schemeClr val="accent1"/>
+          </a:effectRef>
+          <a:fontRef idx="minor">
+            <a:schemeClr val="tx1"/>
+          </a:fontRef>
+        </p:style>
+      </p:cxnSp>
+    </p:spTree>
+    <p:extLst>
+      <p:ext uri="{BB962C8B-B14F-4D97-AF65-F5344CB8AC3E}">
+        <p14:creationId xmlns:p14="http://schemas.microsoft.com/office/powerpoint/2010/main" val="2162577444"/>
+      </p:ext>
+    </p:extLst>
+  </p:cSld>
+  <p:clrMapOvr>
+    <a:masterClrMapping/>
+  </p:clrMapOvr>
+</p:sld>
+</file>
+
+<file path=ppt/slides/slide9.xml><?xml version="1.0" encoding="utf-8"?>
+<p:sld xmlns:a="http://schemas.openxmlformats.org/drawingml/2006/main" xmlns:r="http://schemas.openxmlformats.org/officeDocument/2006/relationships" xmlns:p="http://schemas.openxmlformats.org/presentationml/2006/main">
+  <p:cSld>
+    <p:spTree>
+      <p:nvGrpSpPr>
+        <p:cNvPr id="1" name=""/>
+        <p:cNvGrpSpPr/>
+        <p:nvPr/>
+      </p:nvGrpSpPr>
+      <p:grpSpPr>
+        <a:xfrm>
+          <a:off x="0" y="0"/>
+          <a:ext cx="0" cy="0"/>
+          <a:chOff x="0" y="0"/>
+          <a:chExt cx="0" cy="0"/>
+        </a:xfrm>
+      </p:grpSpPr>
+      <p:sp>
+        <p:nvSpPr>
+          <p:cNvPr id="26" name="矩形 25">
+            <a:extLst>
+              <a:ext uri="{FF2B5EF4-FFF2-40B4-BE49-F238E27FC236}">
+                <a16:creationId xmlns:a16="http://schemas.microsoft.com/office/drawing/2014/main" id="{CE6225C8-1C02-3AEB-65C4-1F264C47FB21}"/>
+              </a:ext>
+            </a:extLst>
+          </p:cNvPr>
+          <p:cNvSpPr/>
+          <p:nvPr/>
+        </p:nvSpPr>
+        <p:spPr>
+          <a:xfrm>
+            <a:off x="743487" y="1356189"/>
+            <a:ext cx="7460048" cy="3863512"/>
+          </a:xfrm>
+          <a:prstGeom prst="rect">
+            <a:avLst/>
+          </a:prstGeom>
+        </p:spPr>
+        <p:style>
+          <a:lnRef idx="2">
+            <a:schemeClr val="accent6"/>
+          </a:lnRef>
+          <a:fillRef idx="1">
+            <a:schemeClr val="lt1"/>
+          </a:fillRef>
+          <a:effectRef idx="0">
+            <a:schemeClr val="accent6"/>
+          </a:effectRef>
+          <a:fontRef idx="minor">
+            <a:schemeClr val="dk1"/>
+          </a:fontRef>
+        </p:style>
+        <p:txBody>
+          <a:bodyPr rtlCol="0" anchor="ctr"/>
+          <a:lstStyle/>
+          <a:p>
+            <a:pPr algn="ctr"/>
+            <a:endParaRPr lang="zh-CN" altLang="en-US" dirty="0"/>
+          </a:p>
+        </p:txBody>
+      </p:sp>
+      <p:sp>
+        <p:nvSpPr>
+          <p:cNvPr id="39" name="文本框 38">
+            <a:extLst>
+              <a:ext uri="{FF2B5EF4-FFF2-40B4-BE49-F238E27FC236}">
+                <a16:creationId xmlns:a16="http://schemas.microsoft.com/office/drawing/2014/main" id="{E7C70F86-3E90-F941-5229-5CCA991AB3C8}"/>
+              </a:ext>
+            </a:extLst>
+          </p:cNvPr>
+          <p:cNvSpPr txBox="1"/>
+          <p:nvPr/>
+        </p:nvSpPr>
+        <p:spPr>
+          <a:xfrm>
+            <a:off x="799079" y="1638300"/>
+            <a:ext cx="1650206" cy="369332"/>
+          </a:xfrm>
+          <a:prstGeom prst="rect">
+            <a:avLst/>
+          </a:prstGeom>
+          <a:noFill/>
+        </p:spPr>
+        <p:txBody>
+          <a:bodyPr wrap="square" rtlCol="0">
+            <a:spAutoFit/>
+          </a:bodyPr>
+          <a:lstStyle/>
+          <a:p>
+            <a:r>
+              <a:rPr lang="en-US" altLang="zh-CN" b="1" dirty="0" err="1"/>
+              <a:t>NopCli</a:t>
+            </a:r>
+            <a:r>
+              <a:rPr lang="zh-CN" altLang="en-US" b="1" dirty="0"/>
+              <a:t>工具</a:t>
+            </a:r>
+          </a:p>
+        </p:txBody>
+      </p:sp>
+      <p:cxnSp>
+        <p:nvCxnSpPr>
+          <p:cNvPr id="22" name="直接箭头连接符 21">
+            <a:extLst>
+              <a:ext uri="{FF2B5EF4-FFF2-40B4-BE49-F238E27FC236}">
+                <a16:creationId xmlns:a16="http://schemas.microsoft.com/office/drawing/2014/main" id="{2D6B6CED-45E7-6BCF-88C9-7676CD6A0B3C}"/>
+              </a:ext>
+            </a:extLst>
+          </p:cNvPr>
+          <p:cNvCxnSpPr>
+            <a:cxnSpLocks/>
+          </p:cNvCxnSpPr>
+          <p:nvPr/>
+        </p:nvCxnSpPr>
+        <p:spPr>
+          <a:xfrm flipV="1">
+            <a:off x="4390241" y="2656724"/>
+            <a:ext cx="0" cy="282419"/>
+          </a:xfrm>
+          <a:prstGeom prst="straightConnector1">
+            <a:avLst/>
+          </a:prstGeom>
+          <a:ln>
+            <a:tailEnd type="triangle"/>
+          </a:ln>
+        </p:spPr>
+        <p:style>
+          <a:lnRef idx="1">
+            <a:schemeClr val="accent1"/>
+          </a:lnRef>
+          <a:fillRef idx="0">
+            <a:schemeClr val="accent1"/>
+          </a:fillRef>
+          <a:effectRef idx="0">
+            <a:schemeClr val="accent1"/>
+          </a:effectRef>
+          <a:fontRef idx="minor">
+            <a:schemeClr val="tx1"/>
+          </a:fontRef>
+        </p:style>
+      </p:cxnSp>
+      <p:sp>
+        <p:nvSpPr>
+          <p:cNvPr id="27" name="矩形 26">
+            <a:extLst>
+              <a:ext uri="{FF2B5EF4-FFF2-40B4-BE49-F238E27FC236}">
+                <a16:creationId xmlns:a16="http://schemas.microsoft.com/office/drawing/2014/main" id="{813A3606-9C6C-D89B-190C-B1DD3B0093BD}"/>
+              </a:ext>
+            </a:extLst>
+          </p:cNvPr>
+          <p:cNvSpPr/>
+          <p:nvPr/>
+        </p:nvSpPr>
+        <p:spPr>
+          <a:xfrm>
+            <a:off x="1071741" y="3092363"/>
+            <a:ext cx="1932479" cy="567758"/>
+          </a:xfrm>
+          <a:prstGeom prst="rect">
+            <a:avLst/>
+          </a:prstGeom>
+        </p:spPr>
+        <p:style>
+          <a:lnRef idx="2">
+            <a:schemeClr val="accent1">
+              <a:shade val="50000"/>
+            </a:schemeClr>
+          </a:lnRef>
+          <a:fillRef idx="1">
+            <a:schemeClr val="accent1"/>
+          </a:fillRef>
+          <a:effectRef idx="0">
+            <a:schemeClr val="accent1"/>
+          </a:effectRef>
+          <a:fontRef idx="minor">
+            <a:schemeClr val="lt1"/>
+          </a:fontRef>
+        </p:style>
+        <p:txBody>
+          <a:bodyPr rtlCol="0" anchor="ctr"/>
+          <a:lstStyle/>
+          <a:p>
+            <a:pPr algn="ctr"/>
+            <a:r>
+              <a:rPr lang="en-US" altLang="zh-CN" dirty="0" err="1"/>
+              <a:t>nop-orm</a:t>
+            </a:r>
+            <a:endParaRPr lang="zh-CN" altLang="en-US" dirty="0"/>
+          </a:p>
+        </p:txBody>
+      </p:sp>
+      <p:sp>
+        <p:nvSpPr>
+          <p:cNvPr id="32" name="矩形 31">
+            <a:extLst>
+              <a:ext uri="{FF2B5EF4-FFF2-40B4-BE49-F238E27FC236}">
+                <a16:creationId xmlns:a16="http://schemas.microsoft.com/office/drawing/2014/main" id="{54C0E18A-5653-7FCD-58CF-B1A32E6B6B57}"/>
+              </a:ext>
+            </a:extLst>
+          </p:cNvPr>
+          <p:cNvSpPr/>
+          <p:nvPr/>
+        </p:nvSpPr>
+        <p:spPr>
+          <a:xfrm>
+            <a:off x="3507271" y="3081676"/>
+            <a:ext cx="1932479" cy="567758"/>
+          </a:xfrm>
+          <a:prstGeom prst="rect">
+            <a:avLst/>
+          </a:prstGeom>
+          <a:solidFill>
+            <a:schemeClr val="accent2"/>
+          </a:solidFill>
+        </p:spPr>
+        <p:style>
+          <a:lnRef idx="2">
+            <a:schemeClr val="accent1">
+              <a:shade val="50000"/>
+            </a:schemeClr>
+          </a:lnRef>
+          <a:fillRef idx="1">
+            <a:schemeClr val="accent1"/>
+          </a:fillRef>
+          <a:effectRef idx="0">
+            <a:schemeClr val="accent1"/>
+          </a:effectRef>
+          <a:fontRef idx="minor">
+            <a:schemeClr val="lt1"/>
+          </a:fontRef>
+        </p:style>
+        <p:txBody>
+          <a:bodyPr rtlCol="0" anchor="ctr"/>
+          <a:lstStyle/>
+          <a:p>
+            <a:pPr algn="ctr"/>
+            <a:r>
+              <a:rPr lang="en-US" altLang="zh-CN" dirty="0" err="1"/>
+              <a:t>nop</a:t>
+            </a:r>
+            <a:r>
+              <a:rPr lang="en-US" altLang="zh-CN" dirty="0"/>
+              <a:t>-cli</a:t>
+            </a:r>
+            <a:endParaRPr lang="zh-CN" altLang="en-US" dirty="0"/>
+          </a:p>
+        </p:txBody>
+      </p:sp>
+      <p:sp>
+        <p:nvSpPr>
+          <p:cNvPr id="4" name="矩形 3">
+            <a:extLst>
+              <a:ext uri="{FF2B5EF4-FFF2-40B4-BE49-F238E27FC236}">
+                <a16:creationId xmlns:a16="http://schemas.microsoft.com/office/drawing/2014/main" id="{68A99066-C035-E29E-8548-6FF6EAA433F2}"/>
+              </a:ext>
+            </a:extLst>
+          </p:cNvPr>
+          <p:cNvSpPr/>
+          <p:nvPr/>
+        </p:nvSpPr>
+        <p:spPr>
+          <a:xfrm>
+            <a:off x="3507271" y="4094866"/>
+            <a:ext cx="1932479" cy="567758"/>
+          </a:xfrm>
+          <a:prstGeom prst="rect">
+            <a:avLst/>
+          </a:prstGeom>
+        </p:spPr>
+        <p:style>
+          <a:lnRef idx="2">
+            <a:schemeClr val="accent1">
+              <a:shade val="50000"/>
+            </a:schemeClr>
+          </a:lnRef>
+          <a:fillRef idx="1">
+            <a:schemeClr val="accent1"/>
+          </a:fillRef>
+          <a:effectRef idx="0">
+            <a:schemeClr val="accent1"/>
+          </a:effectRef>
+          <a:fontRef idx="minor">
+            <a:schemeClr val="lt1"/>
+          </a:fontRef>
+        </p:style>
+        <p:txBody>
+          <a:bodyPr rtlCol="0" anchor="ctr"/>
+          <a:lstStyle/>
+          <a:p>
+            <a:pPr algn="ctr"/>
+            <a:r>
+              <a:rPr lang="en-US" altLang="zh-CN" dirty="0" err="1"/>
+              <a:t>nop</a:t>
+            </a:r>
+            <a:r>
+              <a:rPr lang="en-US" altLang="zh-CN" dirty="0"/>
+              <a:t>-report</a:t>
+            </a:r>
+            <a:endParaRPr lang="zh-CN" altLang="en-US" dirty="0"/>
+          </a:p>
+        </p:txBody>
+      </p:sp>
+      <p:sp>
+        <p:nvSpPr>
+          <p:cNvPr id="20" name="矩形 19">
+            <a:extLst>
+              <a:ext uri="{FF2B5EF4-FFF2-40B4-BE49-F238E27FC236}">
+                <a16:creationId xmlns:a16="http://schemas.microsoft.com/office/drawing/2014/main" id="{84D9F9E0-8410-841D-9511-7A46D5000595}"/>
+              </a:ext>
+            </a:extLst>
+          </p:cNvPr>
+          <p:cNvSpPr/>
+          <p:nvPr/>
+        </p:nvSpPr>
+        <p:spPr>
+          <a:xfrm>
+            <a:off x="5942805" y="3092363"/>
+            <a:ext cx="1932479" cy="567758"/>
+          </a:xfrm>
+          <a:prstGeom prst="rect">
+            <a:avLst/>
+          </a:prstGeom>
+        </p:spPr>
+        <p:style>
+          <a:lnRef idx="2">
+            <a:schemeClr val="accent1">
+              <a:shade val="50000"/>
+            </a:schemeClr>
+          </a:lnRef>
+          <a:fillRef idx="1">
+            <a:schemeClr val="accent1"/>
+          </a:fillRef>
+          <a:effectRef idx="0">
+            <a:schemeClr val="accent1"/>
+          </a:effectRef>
+          <a:fontRef idx="minor">
+            <a:schemeClr val="lt1"/>
+          </a:fontRef>
+        </p:style>
+        <p:txBody>
+          <a:bodyPr rtlCol="0" anchor="ctr"/>
+          <a:lstStyle/>
+          <a:p>
+            <a:pPr algn="ctr"/>
+            <a:r>
+              <a:rPr lang="en-US" altLang="zh-CN" dirty="0" err="1"/>
+              <a:t>nop-dbtool</a:t>
+            </a:r>
+            <a:endParaRPr lang="zh-CN" altLang="en-US" dirty="0"/>
+          </a:p>
+        </p:txBody>
+      </p:sp>
+      <p:cxnSp>
+        <p:nvCxnSpPr>
+          <p:cNvPr id="28" name="直接箭头连接符 27">
+            <a:extLst>
+              <a:ext uri="{FF2B5EF4-FFF2-40B4-BE49-F238E27FC236}">
+                <a16:creationId xmlns:a16="http://schemas.microsoft.com/office/drawing/2014/main" id="{62970F66-CBBC-240E-E5A0-778F15814F0D}"/>
+              </a:ext>
+            </a:extLst>
+          </p:cNvPr>
+          <p:cNvCxnSpPr>
+            <a:cxnSpLocks/>
+          </p:cNvCxnSpPr>
+          <p:nvPr/>
+        </p:nvCxnSpPr>
+        <p:spPr>
+          <a:xfrm>
+            <a:off x="4390241" y="3755570"/>
+            <a:ext cx="0" cy="254108"/>
+          </a:xfrm>
+          <a:prstGeom prst="straightConnector1">
+            <a:avLst/>
+          </a:prstGeom>
+          <a:ln>
+            <a:tailEnd type="triangle"/>
+          </a:ln>
+        </p:spPr>
+        <p:style>
+          <a:lnRef idx="1">
+            <a:schemeClr val="accent1"/>
+          </a:lnRef>
+          <a:fillRef idx="0">
+            <a:schemeClr val="accent1"/>
+          </a:fillRef>
+          <a:effectRef idx="0">
+            <a:schemeClr val="accent1"/>
+          </a:effectRef>
+          <a:fontRef idx="minor">
+            <a:schemeClr val="tx1"/>
+          </a:fontRef>
+        </p:style>
+      </p:cxnSp>
+      <p:sp>
+        <p:nvSpPr>
+          <p:cNvPr id="7" name="矩形 6">
+            <a:extLst>
+              <a:ext uri="{FF2B5EF4-FFF2-40B4-BE49-F238E27FC236}">
+                <a16:creationId xmlns:a16="http://schemas.microsoft.com/office/drawing/2014/main" id="{112A52AE-07AA-4D47-3616-356AA7D1B6A2}"/>
+              </a:ext>
+            </a:extLst>
+          </p:cNvPr>
+          <p:cNvSpPr/>
+          <p:nvPr/>
+        </p:nvSpPr>
+        <p:spPr>
+          <a:xfrm>
+            <a:off x="3507271" y="2007323"/>
+            <a:ext cx="1932479" cy="567758"/>
+          </a:xfrm>
+          <a:prstGeom prst="rect">
+            <a:avLst/>
+          </a:prstGeom>
+        </p:spPr>
+        <p:style>
+          <a:lnRef idx="2">
+            <a:schemeClr val="accent1">
+              <a:shade val="50000"/>
+            </a:schemeClr>
+          </a:lnRef>
+          <a:fillRef idx="1">
+            <a:schemeClr val="accent1"/>
+          </a:fillRef>
+          <a:effectRef idx="0">
+            <a:schemeClr val="accent1"/>
+          </a:effectRef>
+          <a:fontRef idx="minor">
+            <a:schemeClr val="lt1"/>
+          </a:fontRef>
+        </p:style>
+        <p:txBody>
+          <a:bodyPr rtlCol="0" anchor="ctr"/>
+          <a:lstStyle/>
+          <a:p>
+            <a:pPr algn="ctr"/>
+            <a:r>
+              <a:rPr lang="en-US" altLang="zh-CN" dirty="0" err="1"/>
+              <a:t>nop-codegen</a:t>
+            </a:r>
+            <a:endParaRPr lang="zh-CN" altLang="en-US" dirty="0"/>
+          </a:p>
+        </p:txBody>
+      </p:sp>
+      <p:cxnSp>
+        <p:nvCxnSpPr>
+          <p:cNvPr id="15" name="直接箭头连接符 14">
+            <a:extLst>
+              <a:ext uri="{FF2B5EF4-FFF2-40B4-BE49-F238E27FC236}">
+                <a16:creationId xmlns:a16="http://schemas.microsoft.com/office/drawing/2014/main" id="{F160B4AC-944B-D2A8-F651-5A7503EC08DA}"/>
+              </a:ext>
+            </a:extLst>
+          </p:cNvPr>
+          <p:cNvCxnSpPr>
+            <a:cxnSpLocks/>
+          </p:cNvCxnSpPr>
+          <p:nvPr/>
+        </p:nvCxnSpPr>
+        <p:spPr>
+          <a:xfrm>
+            <a:off x="4390241" y="2103660"/>
+            <a:ext cx="0" cy="254108"/>
+          </a:xfrm>
+          <a:prstGeom prst="straightConnector1">
+            <a:avLst/>
+          </a:prstGeom>
+          <a:ln>
+            <a:tailEnd type="triangle"/>
+          </a:ln>
+        </p:spPr>
+        <p:style>
+          <a:lnRef idx="1">
+            <a:schemeClr val="accent1"/>
+          </a:lnRef>
+          <a:fillRef idx="0">
+            <a:schemeClr val="accent1"/>
+          </a:fillRef>
+          <a:effectRef idx="0">
+            <a:schemeClr val="accent1"/>
+          </a:effectRef>
+          <a:fontRef idx="minor">
+            <a:schemeClr val="tx1"/>
+          </a:fontRef>
+        </p:style>
+      </p:cxnSp>
+      <p:cxnSp>
+        <p:nvCxnSpPr>
+          <p:cNvPr id="5" name="直接箭头连接符 4">
+            <a:extLst>
+              <a:ext uri="{FF2B5EF4-FFF2-40B4-BE49-F238E27FC236}">
+                <a16:creationId xmlns:a16="http://schemas.microsoft.com/office/drawing/2014/main" id="{7CBA3608-1A95-198C-7529-5DAC383B73C8}"/>
+              </a:ext>
+            </a:extLst>
+          </p:cNvPr>
+          <p:cNvCxnSpPr>
+            <a:cxnSpLocks/>
+          </p:cNvCxnSpPr>
+          <p:nvPr/>
+        </p:nvCxnSpPr>
+        <p:spPr>
+          <a:xfrm flipH="1">
+            <a:off x="3110591" y="3371852"/>
+            <a:ext cx="270867" cy="0"/>
+          </a:xfrm>
+          <a:prstGeom prst="straightConnector1">
+            <a:avLst/>
+          </a:prstGeom>
+          <a:ln>
+            <a:tailEnd type="triangle"/>
+          </a:ln>
+        </p:spPr>
+        <p:style>
+          <a:lnRef idx="1">
+            <a:schemeClr val="accent1"/>
+          </a:lnRef>
+          <a:fillRef idx="0">
+            <a:schemeClr val="accent1"/>
+          </a:fillRef>
+          <a:effectRef idx="0">
+            <a:schemeClr val="accent1"/>
+          </a:effectRef>
+          <a:fontRef idx="minor">
+            <a:schemeClr val="tx1"/>
+          </a:fontRef>
+        </p:style>
+      </p:cxnSp>
+      <p:cxnSp>
+        <p:nvCxnSpPr>
+          <p:cNvPr id="11" name="直接箭头连接符 10">
+            <a:extLst>
+              <a:ext uri="{FF2B5EF4-FFF2-40B4-BE49-F238E27FC236}">
+                <a16:creationId xmlns:a16="http://schemas.microsoft.com/office/drawing/2014/main" id="{BAE40D6E-9BEF-E2AE-0E5E-4CD3AAADA4AC}"/>
+              </a:ext>
+            </a:extLst>
+          </p:cNvPr>
+          <p:cNvCxnSpPr>
+            <a:cxnSpLocks/>
+          </p:cNvCxnSpPr>
+          <p:nvPr/>
+        </p:nvCxnSpPr>
+        <p:spPr>
+          <a:xfrm>
+            <a:off x="5567141" y="3376412"/>
+            <a:ext cx="262162" cy="0"/>
+          </a:xfrm>
+          <a:prstGeom prst="straightConnector1">
+            <a:avLst/>
+          </a:prstGeom>
+          <a:ln>
+            <a:tailEnd type="triangle"/>
+          </a:ln>
+        </p:spPr>
+        <p:style>
+          <a:lnRef idx="1">
+            <a:schemeClr val="accent1"/>
+          </a:lnRef>
+          <a:fillRef idx="0">
+            <a:schemeClr val="accent1"/>
+          </a:fillRef>
+          <a:effectRef idx="0">
+            <a:schemeClr val="accent1"/>
+          </a:effectRef>
+          <a:fontRef idx="minor">
+            <a:schemeClr val="tx1"/>
+          </a:fontRef>
+        </p:style>
+      </p:cxnSp>
+    </p:spTree>
+    <p:extLst>
+      <p:ext uri="{BB962C8B-B14F-4D97-AF65-F5344CB8AC3E}">
+        <p14:creationId xmlns:p14="http://schemas.microsoft.com/office/powerpoint/2010/main" val="1230667090"/>
       </p:ext>
     </p:extLst>
   </p:cSld>

--- a/docs/ppt/reg-images.pptx
+++ b/docs/ppt/reg-images.pptx
@@ -279,7 +279,7 @@
           <a:p>
             <a:fld id="{29653C36-4834-4792-85AF-FA0E38AFE74C}" type="datetimeFigureOut">
               <a:rPr lang="zh-CN" altLang="en-US" smtClean="0"/>
-              <a:t>2023/6/24</a:t>
+              <a:t>2023/6/25</a:t>
             </a:fld>
             <a:endParaRPr lang="zh-CN" altLang="en-US"/>
           </a:p>
@@ -477,7 +477,7 @@
           <a:p>
             <a:fld id="{29653C36-4834-4792-85AF-FA0E38AFE74C}" type="datetimeFigureOut">
               <a:rPr lang="zh-CN" altLang="en-US" smtClean="0"/>
-              <a:t>2023/6/24</a:t>
+              <a:t>2023/6/25</a:t>
             </a:fld>
             <a:endParaRPr lang="zh-CN" altLang="en-US"/>
           </a:p>
@@ -685,7 +685,7 @@
           <a:p>
             <a:fld id="{29653C36-4834-4792-85AF-FA0E38AFE74C}" type="datetimeFigureOut">
               <a:rPr lang="zh-CN" altLang="en-US" smtClean="0"/>
-              <a:t>2023/6/24</a:t>
+              <a:t>2023/6/25</a:t>
             </a:fld>
             <a:endParaRPr lang="zh-CN" altLang="en-US"/>
           </a:p>
@@ -883,7 +883,7 @@
           <a:p>
             <a:fld id="{29653C36-4834-4792-85AF-FA0E38AFE74C}" type="datetimeFigureOut">
               <a:rPr lang="zh-CN" altLang="en-US" smtClean="0"/>
-              <a:t>2023/6/24</a:t>
+              <a:t>2023/6/25</a:t>
             </a:fld>
             <a:endParaRPr lang="zh-CN" altLang="en-US"/>
           </a:p>
@@ -1158,7 +1158,7 @@
           <a:p>
             <a:fld id="{29653C36-4834-4792-85AF-FA0E38AFE74C}" type="datetimeFigureOut">
               <a:rPr lang="zh-CN" altLang="en-US" smtClean="0"/>
-              <a:t>2023/6/24</a:t>
+              <a:t>2023/6/25</a:t>
             </a:fld>
             <a:endParaRPr lang="zh-CN" altLang="en-US"/>
           </a:p>
@@ -1423,7 +1423,7 @@
           <a:p>
             <a:fld id="{29653C36-4834-4792-85AF-FA0E38AFE74C}" type="datetimeFigureOut">
               <a:rPr lang="zh-CN" altLang="en-US" smtClean="0"/>
-              <a:t>2023/6/24</a:t>
+              <a:t>2023/6/25</a:t>
             </a:fld>
             <a:endParaRPr lang="zh-CN" altLang="en-US"/>
           </a:p>
@@ -1835,7 +1835,7 @@
           <a:p>
             <a:fld id="{29653C36-4834-4792-85AF-FA0E38AFE74C}" type="datetimeFigureOut">
               <a:rPr lang="zh-CN" altLang="en-US" smtClean="0"/>
-              <a:t>2023/6/24</a:t>
+              <a:t>2023/6/25</a:t>
             </a:fld>
             <a:endParaRPr lang="zh-CN" altLang="en-US"/>
           </a:p>
@@ -1976,7 +1976,7 @@
           <a:p>
             <a:fld id="{29653C36-4834-4792-85AF-FA0E38AFE74C}" type="datetimeFigureOut">
               <a:rPr lang="zh-CN" altLang="en-US" smtClean="0"/>
-              <a:t>2023/6/24</a:t>
+              <a:t>2023/6/25</a:t>
             </a:fld>
             <a:endParaRPr lang="zh-CN" altLang="en-US"/>
           </a:p>
@@ -2089,7 +2089,7 @@
           <a:p>
             <a:fld id="{29653C36-4834-4792-85AF-FA0E38AFE74C}" type="datetimeFigureOut">
               <a:rPr lang="zh-CN" altLang="en-US" smtClean="0"/>
-              <a:t>2023/6/24</a:t>
+              <a:t>2023/6/25</a:t>
             </a:fld>
             <a:endParaRPr lang="zh-CN" altLang="en-US"/>
           </a:p>
@@ -2400,7 +2400,7 @@
           <a:p>
             <a:fld id="{29653C36-4834-4792-85AF-FA0E38AFE74C}" type="datetimeFigureOut">
               <a:rPr lang="zh-CN" altLang="en-US" smtClean="0"/>
-              <a:t>2023/6/24</a:t>
+              <a:t>2023/6/25</a:t>
             </a:fld>
             <a:endParaRPr lang="zh-CN" altLang="en-US"/>
           </a:p>
@@ -2688,7 +2688,7 @@
           <a:p>
             <a:fld id="{29653C36-4834-4792-85AF-FA0E38AFE74C}" type="datetimeFigureOut">
               <a:rPr lang="zh-CN" altLang="en-US" smtClean="0"/>
-              <a:t>2023/6/24</a:t>
+              <a:t>2023/6/25</a:t>
             </a:fld>
             <a:endParaRPr lang="zh-CN" altLang="en-US"/>
           </a:p>
@@ -2929,7 +2929,7 @@
           <a:p>
             <a:fld id="{29653C36-4834-4792-85AF-FA0E38AFE74C}" type="datetimeFigureOut">
               <a:rPr lang="zh-CN" altLang="en-US" smtClean="0"/>
-              <a:t>2023/6/24</a:t>
+              <a:t>2023/6/25</a:t>
             </a:fld>
             <a:endParaRPr lang="zh-CN" altLang="en-US"/>
           </a:p>
@@ -8561,6 +8561,47 @@
           </a:p>
         </p:txBody>
       </p:sp>
+      <p:cxnSp>
+        <p:nvCxnSpPr>
+          <p:cNvPr id="2" name="直接箭头连接符 1">
+            <a:extLst>
+              <a:ext uri="{FF2B5EF4-FFF2-40B4-BE49-F238E27FC236}">
+                <a16:creationId xmlns:a16="http://schemas.microsoft.com/office/drawing/2014/main" id="{10D1D081-4D29-58B0-4BCD-12998A959964}"/>
+              </a:ext>
+            </a:extLst>
+          </p:cNvPr>
+          <p:cNvCxnSpPr>
+            <a:cxnSpLocks/>
+          </p:cNvCxnSpPr>
+          <p:nvPr/>
+        </p:nvCxnSpPr>
+        <p:spPr>
+          <a:xfrm>
+            <a:off x="4238320" y="3109521"/>
+            <a:ext cx="814318" cy="421075"/>
+          </a:xfrm>
+          <a:prstGeom prst="straightConnector1">
+            <a:avLst/>
+          </a:prstGeom>
+          <a:ln>
+            <a:tailEnd type="triangle"/>
+          </a:ln>
+        </p:spPr>
+        <p:style>
+          <a:lnRef idx="1">
+            <a:schemeClr val="accent1"/>
+          </a:lnRef>
+          <a:fillRef idx="0">
+            <a:schemeClr val="accent1"/>
+          </a:fillRef>
+          <a:effectRef idx="0">
+            <a:schemeClr val="accent1"/>
+          </a:effectRef>
+          <a:fontRef idx="minor">
+            <a:schemeClr val="tx1"/>
+          </a:fontRef>
+        </p:style>
+      </p:cxnSp>
     </p:spTree>
     <p:extLst>
       <p:ext uri="{BB962C8B-B14F-4D97-AF65-F5344CB8AC3E}">
